--- a/D02/D02_APEX_Dati.pptx
+++ b/D02/D02_APEX_Dati.pptx
@@ -14,20 +14,20 @@
     <p:sldId id="771" r:id="rId5"/>
     <p:sldId id="760" r:id="rId6"/>
     <p:sldId id="1101" r:id="rId7"/>
-    <p:sldId id="1108" r:id="rId8"/>
-    <p:sldId id="1110" r:id="rId9"/>
-    <p:sldId id="1104" r:id="rId10"/>
-    <p:sldId id="1103" r:id="rId11"/>
-    <p:sldId id="1107" r:id="rId12"/>
-    <p:sldId id="1118" r:id="rId13"/>
-    <p:sldId id="1114" r:id="rId14"/>
-    <p:sldId id="1116" r:id="rId15"/>
-    <p:sldId id="1111" r:id="rId16"/>
-    <p:sldId id="1112" r:id="rId17"/>
-    <p:sldId id="1115" r:id="rId18"/>
-    <p:sldId id="364" r:id="rId19"/>
-    <p:sldId id="365" r:id="rId20"/>
-    <p:sldId id="1102" r:id="rId21"/>
+    <p:sldId id="1102" r:id="rId8"/>
+    <p:sldId id="1108" r:id="rId9"/>
+    <p:sldId id="1110" r:id="rId10"/>
+    <p:sldId id="1104" r:id="rId11"/>
+    <p:sldId id="1103" r:id="rId12"/>
+    <p:sldId id="1107" r:id="rId13"/>
+    <p:sldId id="1118" r:id="rId14"/>
+    <p:sldId id="1114" r:id="rId15"/>
+    <p:sldId id="1116" r:id="rId16"/>
+    <p:sldId id="1111" r:id="rId17"/>
+    <p:sldId id="1112" r:id="rId18"/>
+    <p:sldId id="1115" r:id="rId19"/>
+    <p:sldId id="364" r:id="rId20"/>
+    <p:sldId id="365" r:id="rId21"/>
     <p:sldId id="778" r:id="rId22"/>
   </p:sldIdLst>
   <p:sldSz cx="12188825" cy="6858000"/>
@@ -1057,7 +1057,7 @@
             <a:fld id="{8C72D9AE-7182-4680-8F79-479C4181FF08}" type="slidenum">
               <a:rPr lang="en-US" smtClean="0"/>
               <a:pPr/>
-              <a:t>15</a:t>
+              <a:t>16</a:t>
             </a:fld>
             <a:endParaRPr lang="en-US" dirty="0"/>
           </a:p>
@@ -1235,7 +1235,7 @@
             <a:fld id="{8C72D9AE-7182-4680-8F79-479C4181FF08}" type="slidenum">
               <a:rPr lang="en-US" smtClean="0"/>
               <a:pPr/>
-              <a:t>16</a:t>
+              <a:t>17</a:t>
             </a:fld>
             <a:endParaRPr lang="en-US" dirty="0"/>
           </a:p>
@@ -16084,6 +16084,250 @@
         </p:nvSpPr>
         <p:spPr>
           <a:xfrm>
+            <a:off x="3351229" y="397130"/>
+            <a:ext cx="4882455" cy="616896"/>
+          </a:xfrm>
+        </p:spPr>
+        <p:txBody>
+          <a:bodyPr>
+            <a:normAutofit/>
+          </a:bodyPr>
+          <a:lstStyle/>
+          <a:p>
+            <a:r>
+              <a:rPr lang="it-IT" dirty="0"/>
+              <a:t>Modello Dati Relazionale</a:t>
+            </a:r>
+          </a:p>
+        </p:txBody>
+      </p:sp>
+      <p:sp>
+        <p:nvSpPr>
+          <p:cNvPr id="18" name="CasellaDiTesto 17">
+            <a:extLst>
+              <a:ext uri="{FF2B5EF4-FFF2-40B4-BE49-F238E27FC236}">
+                <a16:creationId xmlns:a16="http://schemas.microsoft.com/office/drawing/2014/main" id="{F86D23F3-3004-470A-8FD5-892097F471F3}"/>
+              </a:ext>
+            </a:extLst>
+          </p:cNvPr>
+          <p:cNvSpPr txBox="1"/>
+          <p:nvPr/>
+        </p:nvSpPr>
+        <p:spPr>
+          <a:xfrm>
+            <a:off x="1452506" y="1307562"/>
+            <a:ext cx="4034054" cy="318699"/>
+          </a:xfrm>
+          <a:prstGeom prst="rect">
+            <a:avLst/>
+          </a:prstGeom>
+          <a:noFill/>
+        </p:spPr>
+        <p:txBody>
+          <a:bodyPr wrap="none" lIns="0" tIns="0" rIns="0" bIns="0" rtlCol="0">
+            <a:noAutofit/>
+          </a:bodyPr>
+          <a:lstStyle/>
+          <a:p>
+            <a:pPr>
+              <a:lnSpc>
+                <a:spcPct val="90000"/>
+              </a:lnSpc>
+            </a:pPr>
+            <a:r>
+              <a:rPr lang="it-IT" sz="2399" dirty="0"/>
+              <a:t>CHIAVE PRIMARIA MULTIPLA:</a:t>
+            </a:r>
+          </a:p>
+        </p:txBody>
+      </p:sp>
+      <p:sp>
+        <p:nvSpPr>
+          <p:cNvPr id="20" name="CasellaDiTesto 19">
+            <a:extLst>
+              <a:ext uri="{FF2B5EF4-FFF2-40B4-BE49-F238E27FC236}">
+                <a16:creationId xmlns:a16="http://schemas.microsoft.com/office/drawing/2014/main" id="{ED68B09D-7B24-45EA-AB22-BB99F865E8FB}"/>
+              </a:ext>
+            </a:extLst>
+          </p:cNvPr>
+          <p:cNvSpPr txBox="1"/>
+          <p:nvPr/>
+        </p:nvSpPr>
+        <p:spPr>
+          <a:xfrm>
+            <a:off x="1485830" y="1816088"/>
+            <a:ext cx="8613251" cy="613907"/>
+          </a:xfrm>
+          <a:prstGeom prst="rect">
+            <a:avLst/>
+          </a:prstGeom>
+          <a:noFill/>
+        </p:spPr>
+        <p:txBody>
+          <a:bodyPr wrap="none" lIns="0" tIns="0" rIns="0" bIns="0" rtlCol="0">
+            <a:noAutofit/>
+          </a:bodyPr>
+          <a:lstStyle/>
+          <a:p>
+            <a:pPr>
+              <a:lnSpc>
+                <a:spcPct val="90000"/>
+              </a:lnSpc>
+            </a:pPr>
+            <a:r>
+              <a:rPr lang="it-IT" sz="1799" dirty="0"/>
+              <a:t>La CHIAVE PRIMARIA può essere composta anche da più colonne:</a:t>
+            </a:r>
+            <a:endParaRPr lang="it-IT" sz="1799" dirty="0">
+              <a:solidFill>
+                <a:schemeClr val="accent1"/>
+              </a:solidFill>
+            </a:endParaRPr>
+          </a:p>
+          <a:p>
+            <a:pPr>
+              <a:lnSpc>
+                <a:spcPct val="90000"/>
+              </a:lnSpc>
+            </a:pPr>
+            <a:endParaRPr lang="it-IT" sz="1799" dirty="0"/>
+          </a:p>
+        </p:txBody>
+      </p:sp>
+      <p:sp>
+        <p:nvSpPr>
+          <p:cNvPr id="21" name="CasellaDiTesto 20">
+            <a:extLst>
+              <a:ext uri="{FF2B5EF4-FFF2-40B4-BE49-F238E27FC236}">
+                <a16:creationId xmlns:a16="http://schemas.microsoft.com/office/drawing/2014/main" id="{233FA57F-BEAD-478E-A431-E8BE6ED91F1D}"/>
+              </a:ext>
+            </a:extLst>
+          </p:cNvPr>
+          <p:cNvSpPr txBox="1"/>
+          <p:nvPr/>
+        </p:nvSpPr>
+        <p:spPr>
+          <a:xfrm>
+            <a:off x="1636808" y="4218335"/>
+            <a:ext cx="7116650" cy="419341"/>
+          </a:xfrm>
+          <a:prstGeom prst="rect">
+            <a:avLst/>
+          </a:prstGeom>
+          <a:noFill/>
+        </p:spPr>
+        <p:txBody>
+          <a:bodyPr wrap="none" lIns="0" tIns="0" rIns="0" bIns="0" rtlCol="0">
+            <a:noAutofit/>
+          </a:bodyPr>
+          <a:lstStyle/>
+          <a:p>
+            <a:pPr>
+              <a:lnSpc>
+                <a:spcPct val="90000"/>
+              </a:lnSpc>
+            </a:pPr>
+            <a:r>
+              <a:rPr lang="it-IT" sz="1799" dirty="0">
+                <a:solidFill>
+                  <a:schemeClr val="accent1"/>
+                </a:solidFill>
+              </a:rPr>
+              <a:t>In una Relazione si può sempre definire una CHIAVE PRIMARIA!</a:t>
+            </a:r>
+          </a:p>
+        </p:txBody>
+      </p:sp>
+      <p:pic>
+        <p:nvPicPr>
+          <p:cNvPr id="5" name="Immagine 4">
+            <a:extLst>
+              <a:ext uri="{FF2B5EF4-FFF2-40B4-BE49-F238E27FC236}">
+                <a16:creationId xmlns:a16="http://schemas.microsoft.com/office/drawing/2014/main" id="{8069CB11-5F79-4CED-95E6-25BD877FFD8D}"/>
+              </a:ext>
+            </a:extLst>
+          </p:cNvPr>
+          <p:cNvPicPr>
+            <a:picLocks noChangeAspect="1"/>
+          </p:cNvPicPr>
+          <p:nvPr/>
+        </p:nvPicPr>
+        <p:blipFill>
+          <a:blip r:embed="rId2"/>
+          <a:stretch>
+            <a:fillRect/>
+          </a:stretch>
+        </p:blipFill>
+        <p:spPr>
+          <a:xfrm>
+            <a:off x="1858481" y="2428323"/>
+            <a:ext cx="4963218" cy="1686160"/>
+          </a:xfrm>
+          <a:prstGeom prst="rect">
+            <a:avLst/>
+          </a:prstGeom>
+        </p:spPr>
+      </p:pic>
+    </p:spTree>
+    <p:extLst>
+      <p:ext uri="{BB962C8B-B14F-4D97-AF65-F5344CB8AC3E}">
+        <p14:creationId xmlns:p14="http://schemas.microsoft.com/office/powerpoint/2010/main" val="1851643793"/>
+      </p:ext>
+    </p:extLst>
+  </p:cSld>
+  <p:clrMapOvr>
+    <a:masterClrMapping/>
+  </p:clrMapOvr>
+  <mc:AlternateContent xmlns:mc="http://schemas.openxmlformats.org/markup-compatibility/2006">
+    <mc:Choice xmlns:p14="http://schemas.microsoft.com/office/powerpoint/2010/main" Requires="p14">
+      <p:transition spd="med" p14:dur="700">
+        <p:fade/>
+      </p:transition>
+    </mc:Choice>
+    <mc:Fallback>
+      <p:transition spd="med">
+        <p:fade/>
+      </p:transition>
+    </mc:Fallback>
+  </mc:AlternateContent>
+</p:sld>
+</file>
+
+<file path=ppt/slides/slide11.xml><?xml version="1.0" encoding="utf-8"?>
+<p:sld xmlns:a="http://schemas.openxmlformats.org/drawingml/2006/main" xmlns:r="http://schemas.openxmlformats.org/officeDocument/2006/relationships" xmlns:p="http://schemas.openxmlformats.org/presentationml/2006/main">
+  <p:cSld>
+    <p:spTree>
+      <p:nvGrpSpPr>
+        <p:cNvPr id="1" name=""/>
+        <p:cNvGrpSpPr/>
+        <p:nvPr/>
+      </p:nvGrpSpPr>
+      <p:grpSpPr>
+        <a:xfrm>
+          <a:off x="0" y="0"/>
+          <a:ext cx="0" cy="0"/>
+          <a:chOff x="0" y="0"/>
+          <a:chExt cx="0" cy="0"/>
+        </a:xfrm>
+      </p:grpSpPr>
+      <p:sp>
+        <p:nvSpPr>
+          <p:cNvPr id="2" name="Titolo 1">
+            <a:extLst>
+              <a:ext uri="{FF2B5EF4-FFF2-40B4-BE49-F238E27FC236}">
+                <a16:creationId xmlns:a16="http://schemas.microsoft.com/office/drawing/2014/main" id="{C971D46D-A707-4821-A0C2-37696E0EFB40}"/>
+              </a:ext>
+            </a:extLst>
+          </p:cNvPr>
+          <p:cNvSpPr>
+            <a:spLocks noGrp="1"/>
+          </p:cNvSpPr>
+          <p:nvPr>
+            <p:ph type="title"/>
+          </p:nvPr>
+        </p:nvSpPr>
+        <p:spPr>
+          <a:xfrm>
             <a:off x="1697882" y="287282"/>
             <a:ext cx="9811813" cy="617057"/>
           </a:xfrm>
@@ -16279,7 +16523,7 @@
 </p:sld>
 </file>
 
-<file path=ppt/slides/slide11.xml><?xml version="1.0" encoding="utf-8"?>
+<file path=ppt/slides/slide12.xml><?xml version="1.0" encoding="utf-8"?>
 <p:sld xmlns:a="http://schemas.openxmlformats.org/drawingml/2006/main" xmlns:r="http://schemas.openxmlformats.org/officeDocument/2006/relationships" xmlns:p="http://schemas.openxmlformats.org/presentationml/2006/main">
   <p:cSld>
     <p:spTree>
@@ -16544,162 +16788,6 @@
 </p:sld>
 </file>
 
-<file path=ppt/slides/slide12.xml><?xml version="1.0" encoding="utf-8"?>
-<p:sld xmlns:a="http://schemas.openxmlformats.org/drawingml/2006/main" xmlns:r="http://schemas.openxmlformats.org/officeDocument/2006/relationships" xmlns:p="http://schemas.openxmlformats.org/presentationml/2006/main">
-  <p:cSld>
-    <p:spTree>
-      <p:nvGrpSpPr>
-        <p:cNvPr id="1" name=""/>
-        <p:cNvGrpSpPr/>
-        <p:nvPr/>
-      </p:nvGrpSpPr>
-      <p:grpSpPr>
-        <a:xfrm>
-          <a:off x="0" y="0"/>
-          <a:ext cx="0" cy="0"/>
-          <a:chOff x="0" y="0"/>
-          <a:chExt cx="0" cy="0"/>
-        </a:xfrm>
-      </p:grpSpPr>
-      <p:sp>
-        <p:nvSpPr>
-          <p:cNvPr id="2" name="Titolo 1">
-            <a:extLst>
-              <a:ext uri="{FF2B5EF4-FFF2-40B4-BE49-F238E27FC236}">
-                <a16:creationId xmlns:a16="http://schemas.microsoft.com/office/drawing/2014/main" id="{C971D46D-A707-4821-A0C2-37696E0EFB40}"/>
-              </a:ext>
-            </a:extLst>
-          </p:cNvPr>
-          <p:cNvSpPr>
-            <a:spLocks noGrp="1"/>
-          </p:cNvSpPr>
-          <p:nvPr>
-            <p:ph type="title"/>
-          </p:nvPr>
-        </p:nvSpPr>
-        <p:spPr>
-          <a:xfrm>
-            <a:off x="3350513" y="396339"/>
-            <a:ext cx="4883727" cy="617057"/>
-          </a:xfrm>
-        </p:spPr>
-        <p:txBody>
-          <a:bodyPr/>
-          <a:lstStyle/>
-          <a:p>
-            <a:r>
-              <a:rPr lang="it-IT" dirty="0"/>
-              <a:t>DATI SEMI STRUTTURATI</a:t>
-            </a:r>
-          </a:p>
-        </p:txBody>
-      </p:sp>
-      <p:sp>
-        <p:nvSpPr>
-          <p:cNvPr id="18" name="CasellaDiTesto 17">
-            <a:extLst>
-              <a:ext uri="{FF2B5EF4-FFF2-40B4-BE49-F238E27FC236}">
-                <a16:creationId xmlns:a16="http://schemas.microsoft.com/office/drawing/2014/main" id="{F86D23F3-3004-470A-8FD5-892097F471F3}"/>
-              </a:ext>
-            </a:extLst>
-          </p:cNvPr>
-          <p:cNvSpPr txBox="1"/>
-          <p:nvPr/>
-        </p:nvSpPr>
-        <p:spPr>
-          <a:xfrm>
-            <a:off x="1266737" y="1911015"/>
-            <a:ext cx="10217791" cy="2921043"/>
-          </a:xfrm>
-          <a:prstGeom prst="rect">
-            <a:avLst/>
-          </a:prstGeom>
-          <a:noFill/>
-        </p:spPr>
-        <p:txBody>
-          <a:bodyPr wrap="none" lIns="0" tIns="0" rIns="0" bIns="0" rtlCol="0">
-            <a:noAutofit/>
-          </a:bodyPr>
-          <a:lstStyle/>
-          <a:p>
-            <a:pPr marL="342900" indent="-342900">
-              <a:lnSpc>
-                <a:spcPct val="200000"/>
-              </a:lnSpc>
-              <a:buFont typeface="Arial" panose="020B0604020202020204" pitchFamily="34" charset="0"/>
-              <a:buChar char="•"/>
-            </a:pPr>
-            <a:r>
-              <a:rPr lang="it-IT" sz="2400" dirty="0"/>
-              <a:t>NON CONFORME CON LA STRUTTURA DEL MODELLO RELAZIONALE</a:t>
-            </a:r>
-          </a:p>
-          <a:p>
-            <a:pPr marL="342900" indent="-342900">
-              <a:lnSpc>
-                <a:spcPct val="200000"/>
-              </a:lnSpc>
-              <a:buFont typeface="Arial" panose="020B0604020202020204" pitchFamily="34" charset="0"/>
-              <a:buChar char="•"/>
-            </a:pPr>
-            <a:r>
-              <a:rPr lang="it-IT" sz="2400" dirty="0"/>
-              <a:t>NON HANNO STRUTTURA FISSA</a:t>
-            </a:r>
-          </a:p>
-          <a:p>
-            <a:pPr marL="342900" indent="-342900">
-              <a:lnSpc>
-                <a:spcPct val="200000"/>
-              </a:lnSpc>
-              <a:buFont typeface="Arial" panose="020B0604020202020204" pitchFamily="34" charset="0"/>
-              <a:buChar char="•"/>
-            </a:pPr>
-            <a:r>
-              <a:rPr lang="it-IT" sz="2400" dirty="0"/>
-              <a:t>HANNO STRUTTURA AUTODESCRITTA</a:t>
-            </a:r>
-          </a:p>
-          <a:p>
-            <a:pPr marL="342900" indent="-342900">
-              <a:lnSpc>
-                <a:spcPct val="200000"/>
-              </a:lnSpc>
-              <a:buFont typeface="Arial" panose="020B0604020202020204" pitchFamily="34" charset="0"/>
-              <a:buChar char="•"/>
-            </a:pPr>
-            <a:r>
-              <a:rPr lang="it-IT" sz="2400" dirty="0"/>
-              <a:t>USANO DEI MARCATORI PER INDIVIDUARE DINAMICAMENTE UNA STRUTTURA</a:t>
-            </a:r>
-          </a:p>
-        </p:txBody>
-      </p:sp>
-    </p:spTree>
-    <p:extLst>
-      <p:ext uri="{BB962C8B-B14F-4D97-AF65-F5344CB8AC3E}">
-        <p14:creationId xmlns:p14="http://schemas.microsoft.com/office/powerpoint/2010/main" val="612467994"/>
-      </p:ext>
-    </p:extLst>
-  </p:cSld>
-  <p:clrMapOvr>
-    <a:masterClrMapping/>
-  </p:clrMapOvr>
-  <mc:AlternateContent xmlns:mc="http://schemas.openxmlformats.org/markup-compatibility/2006" xmlns:p14="http://schemas.microsoft.com/office/powerpoint/2010/main">
-    <mc:Choice Requires="p14">
-      <p:transition spd="med" p14:dur="700">
-        <p:fade/>
-      </p:transition>
-    </mc:Choice>
-    <mc:Fallback xmlns="">
-      <p:transition spd="med">
-        <p:fade/>
-      </p:transition>
-    </mc:Fallback>
-  </mc:AlternateContent>
-</p:sld>
-</file>
-
 <file path=ppt/slides/slide13.xml><?xml version="1.0" encoding="utf-8"?>
 <p:sld xmlns:a="http://schemas.openxmlformats.org/drawingml/2006/main" xmlns:r="http://schemas.openxmlformats.org/officeDocument/2006/relationships" xmlns:p="http://schemas.openxmlformats.org/presentationml/2006/main">
   <p:cSld>
@@ -16750,57 +16838,91 @@
           </a:p>
         </p:txBody>
       </p:sp>
-      <p:pic>
-        <p:nvPicPr>
-          <p:cNvPr id="2052" name="Picture 4">
+      <p:sp>
+        <p:nvSpPr>
+          <p:cNvPr id="18" name="CasellaDiTesto 17">
             <a:extLst>
               <a:ext uri="{FF2B5EF4-FFF2-40B4-BE49-F238E27FC236}">
-                <a16:creationId xmlns:a16="http://schemas.microsoft.com/office/drawing/2014/main" id="{BE87112B-C6B4-4E67-AEC0-9E7921B4577A}"/>
+                <a16:creationId xmlns:a16="http://schemas.microsoft.com/office/drawing/2014/main" id="{F86D23F3-3004-470A-8FD5-892097F471F3}"/>
               </a:ext>
             </a:extLst>
           </p:cNvPr>
-          <p:cNvPicPr>
-            <a:picLocks noChangeAspect="1" noChangeArrowheads="1"/>
-          </p:cNvPicPr>
+          <p:cNvSpPr txBox="1"/>
           <p:nvPr/>
-        </p:nvPicPr>
-        <p:blipFill>
-          <a:blip r:embed="rId2">
-            <a:extLst>
-              <a:ext uri="{28A0092B-C50C-407E-A947-70E740481C1C}">
-                <a14:useLocalDpi xmlns:a14="http://schemas.microsoft.com/office/drawing/2010/main" val="0"/>
-              </a:ext>
-            </a:extLst>
-          </a:blip>
-          <a:srcRect/>
-          <a:stretch>
-            <a:fillRect/>
-          </a:stretch>
-        </p:blipFill>
-        <p:spPr bwMode="auto">
-          <a:xfrm>
-            <a:off x="3200823" y="1271587"/>
-            <a:ext cx="6038850" cy="4314825"/>
+        </p:nvSpPr>
+        <p:spPr>
+          <a:xfrm>
+            <a:off x="1266737" y="1911015"/>
+            <a:ext cx="10217791" cy="2921043"/>
           </a:xfrm>
           <a:prstGeom prst="rect">
             <a:avLst/>
           </a:prstGeom>
           <a:noFill/>
-          <a:extLst>
-            <a:ext uri="{909E8E84-426E-40DD-AFC4-6F175D3DCCD1}">
-              <a14:hiddenFill xmlns:a14="http://schemas.microsoft.com/office/drawing/2010/main">
-                <a:solidFill>
-                  <a:srgbClr val="FFFFFF"/>
-                </a:solidFill>
-              </a14:hiddenFill>
-            </a:ext>
-          </a:extLst>
-        </p:spPr>
-      </p:pic>
+        </p:spPr>
+        <p:txBody>
+          <a:bodyPr wrap="none" lIns="0" tIns="0" rIns="0" bIns="0" rtlCol="0">
+            <a:noAutofit/>
+          </a:bodyPr>
+          <a:lstStyle/>
+          <a:p>
+            <a:pPr marL="342900" indent="-342900">
+              <a:lnSpc>
+                <a:spcPct val="200000"/>
+              </a:lnSpc>
+              <a:buFont typeface="Arial" panose="020B0604020202020204" pitchFamily="34" charset="0"/>
+              <a:buChar char="•"/>
+            </a:pPr>
+            <a:r>
+              <a:rPr lang="it-IT" sz="2400" dirty="0"/>
+              <a:t>NON CONFORME CON LA STRUTTURA DEL MODELLO RELAZIONALE</a:t>
+            </a:r>
+          </a:p>
+          <a:p>
+            <a:pPr marL="342900" indent="-342900">
+              <a:lnSpc>
+                <a:spcPct val="200000"/>
+              </a:lnSpc>
+              <a:buFont typeface="Arial" panose="020B0604020202020204" pitchFamily="34" charset="0"/>
+              <a:buChar char="•"/>
+            </a:pPr>
+            <a:r>
+              <a:rPr lang="it-IT" sz="2400" dirty="0"/>
+              <a:t>NON HANNO STRUTTURA FISSA</a:t>
+            </a:r>
+          </a:p>
+          <a:p>
+            <a:pPr marL="342900" indent="-342900">
+              <a:lnSpc>
+                <a:spcPct val="200000"/>
+              </a:lnSpc>
+              <a:buFont typeface="Arial" panose="020B0604020202020204" pitchFamily="34" charset="0"/>
+              <a:buChar char="•"/>
+            </a:pPr>
+            <a:r>
+              <a:rPr lang="it-IT" sz="2400" dirty="0"/>
+              <a:t>HANNO STRUTTURA AUTODESCRITTA</a:t>
+            </a:r>
+          </a:p>
+          <a:p>
+            <a:pPr marL="342900" indent="-342900">
+              <a:lnSpc>
+                <a:spcPct val="200000"/>
+              </a:lnSpc>
+              <a:buFont typeface="Arial" panose="020B0604020202020204" pitchFamily="34" charset="0"/>
+              <a:buChar char="•"/>
+            </a:pPr>
+            <a:r>
+              <a:rPr lang="it-IT" sz="2400" dirty="0"/>
+              <a:t>USANO DEI MARCATORI PER INDIVIDUARE DINAMICAMENTE UNA STRUTTURA</a:t>
+            </a:r>
+          </a:p>
+        </p:txBody>
+      </p:sp>
     </p:spTree>
     <p:extLst>
       <p:ext uri="{BB962C8B-B14F-4D97-AF65-F5344CB8AC3E}">
-        <p14:creationId xmlns:p14="http://schemas.microsoft.com/office/powerpoint/2010/main" val="4240796717"/>
+        <p14:creationId xmlns:p14="http://schemas.microsoft.com/office/powerpoint/2010/main" val="612467994"/>
       </p:ext>
     </p:extLst>
   </p:cSld>
@@ -16857,8 +16979,8 @@
         </p:nvSpPr>
         <p:spPr>
           <a:xfrm>
-            <a:off x="1697882" y="287282"/>
-            <a:ext cx="9811813" cy="617057"/>
+            <a:off x="3350513" y="396339"/>
+            <a:ext cx="4883727" cy="617057"/>
           </a:xfrm>
         </p:spPr>
         <p:txBody>
@@ -16867,57 +16989,17 @@
           <a:p>
             <a:r>
               <a:rPr lang="it-IT" dirty="0"/>
-              <a:t>DATI SEMI STRUTTURATI – Dove li memorizzo?</a:t>
-            </a:r>
-          </a:p>
-        </p:txBody>
-      </p:sp>
-      <p:sp>
-        <p:nvSpPr>
-          <p:cNvPr id="3" name="CasellaDiTesto 2">
+              <a:t>DATI SEMI STRUTTURATI</a:t>
+            </a:r>
+          </a:p>
+        </p:txBody>
+      </p:sp>
+      <p:pic>
+        <p:nvPicPr>
+          <p:cNvPr id="2052" name="Picture 4">
             <a:extLst>
               <a:ext uri="{FF2B5EF4-FFF2-40B4-BE49-F238E27FC236}">
-                <a16:creationId xmlns:a16="http://schemas.microsoft.com/office/drawing/2014/main" id="{048AE1A6-0755-4848-87C6-7AF1524C01B3}"/>
-              </a:ext>
-            </a:extLst>
-          </p:cNvPr>
-          <p:cNvSpPr txBox="1"/>
-          <p:nvPr/>
-        </p:nvSpPr>
-        <p:spPr>
-          <a:xfrm>
-            <a:off x="1812022" y="1857893"/>
-            <a:ext cx="3187817" cy="545284"/>
-          </a:xfrm>
-          <a:prstGeom prst="rect">
-            <a:avLst/>
-          </a:prstGeom>
-          <a:noFill/>
-        </p:spPr>
-        <p:txBody>
-          <a:bodyPr wrap="none" lIns="0" tIns="0" rIns="0" bIns="0" rtlCol="0">
-            <a:noAutofit/>
-          </a:bodyPr>
-          <a:lstStyle/>
-          <a:p>
-            <a:pPr>
-              <a:lnSpc>
-                <a:spcPct val="90000"/>
-              </a:lnSpc>
-            </a:pPr>
-            <a:r>
-              <a:rPr lang="it-IT" sz="3200" dirty="0"/>
-              <a:t>Database NOSQL</a:t>
-            </a:r>
-          </a:p>
-        </p:txBody>
-      </p:sp>
-      <p:pic>
-        <p:nvPicPr>
-          <p:cNvPr id="6146" name="Picture 2">
-            <a:extLst>
-              <a:ext uri="{FF2B5EF4-FFF2-40B4-BE49-F238E27FC236}">
-                <a16:creationId xmlns:a16="http://schemas.microsoft.com/office/drawing/2014/main" id="{C4B49A46-5E74-4B99-BAE7-EFD3EE2179FE}"/>
+                <a16:creationId xmlns:a16="http://schemas.microsoft.com/office/drawing/2014/main" id="{BE87112B-C6B4-4E67-AEC0-9E7921B4577A}"/>
               </a:ext>
             </a:extLst>
           </p:cNvPr>
@@ -16941,8 +17023,8 @@
         </p:blipFill>
         <p:spPr bwMode="auto">
           <a:xfrm>
-            <a:off x="1966329" y="2927889"/>
-            <a:ext cx="2466975" cy="1847850"/>
+            <a:off x="3200823" y="1271587"/>
+            <a:ext cx="6038850" cy="4314825"/>
           </a:xfrm>
           <a:prstGeom prst="rect">
             <a:avLst/>
@@ -16959,141 +17041,10 @@
           </a:extLst>
         </p:spPr>
       </p:pic>
-      <p:sp>
-        <p:nvSpPr>
-          <p:cNvPr id="6" name="CasellaDiTesto 5">
-            <a:extLst>
-              <a:ext uri="{FF2B5EF4-FFF2-40B4-BE49-F238E27FC236}">
-                <a16:creationId xmlns:a16="http://schemas.microsoft.com/office/drawing/2014/main" id="{4CA8BB87-A3A3-4C1F-B33A-25F4225A437C}"/>
-              </a:ext>
-            </a:extLst>
-          </p:cNvPr>
-          <p:cNvSpPr txBox="1"/>
-          <p:nvPr/>
-        </p:nvSpPr>
-        <p:spPr>
-          <a:xfrm>
-            <a:off x="5317353" y="3239286"/>
-            <a:ext cx="1992487" cy="545284"/>
-          </a:xfrm>
-          <a:prstGeom prst="rect">
-            <a:avLst/>
-          </a:prstGeom>
-          <a:noFill/>
-        </p:spPr>
-        <p:txBody>
-          <a:bodyPr wrap="none" lIns="0" tIns="0" rIns="0" bIns="0" rtlCol="0">
-            <a:noAutofit/>
-          </a:bodyPr>
-          <a:lstStyle/>
-          <a:p>
-            <a:pPr>
-              <a:lnSpc>
-                <a:spcPct val="90000"/>
-              </a:lnSpc>
-            </a:pPr>
-            <a:r>
-              <a:rPr lang="it-IT" sz="3200" dirty="0">
-                <a:solidFill>
-                  <a:schemeClr val="accent1"/>
-                </a:solidFill>
-              </a:rPr>
-              <a:t>MA ANCHE</a:t>
-            </a:r>
-          </a:p>
-        </p:txBody>
-      </p:sp>
-      <p:pic>
-        <p:nvPicPr>
-          <p:cNvPr id="6148" name="Picture 4">
-            <a:extLst>
-              <a:ext uri="{FF2B5EF4-FFF2-40B4-BE49-F238E27FC236}">
-                <a16:creationId xmlns:a16="http://schemas.microsoft.com/office/drawing/2014/main" id="{9930B8B2-76AA-4C24-A884-A9E19B8DB89F}"/>
-              </a:ext>
-            </a:extLst>
-          </p:cNvPr>
-          <p:cNvPicPr>
-            <a:picLocks noChangeAspect="1" noChangeArrowheads="1"/>
-          </p:cNvPicPr>
-          <p:nvPr/>
-        </p:nvPicPr>
-        <p:blipFill>
-          <a:blip r:embed="rId3">
-            <a:extLst>
-              <a:ext uri="{28A0092B-C50C-407E-A947-70E740481C1C}">
-                <a14:useLocalDpi xmlns:a14="http://schemas.microsoft.com/office/drawing/2010/main" val="0"/>
-              </a:ext>
-            </a:extLst>
-          </a:blip>
-          <a:srcRect/>
-          <a:stretch>
-            <a:fillRect/>
-          </a:stretch>
-        </p:blipFill>
-        <p:spPr bwMode="auto">
-          <a:xfrm>
-            <a:off x="8193889" y="2927889"/>
-            <a:ext cx="2143125" cy="2143125"/>
-          </a:xfrm>
-          <a:prstGeom prst="rect">
-            <a:avLst/>
-          </a:prstGeom>
-          <a:noFill/>
-          <a:extLst>
-            <a:ext uri="{909E8E84-426E-40DD-AFC4-6F175D3DCCD1}">
-              <a14:hiddenFill xmlns:a14="http://schemas.microsoft.com/office/drawing/2010/main">
-                <a:solidFill>
-                  <a:srgbClr val="FFFFFF"/>
-                </a:solidFill>
-              </a14:hiddenFill>
-            </a:ext>
-          </a:extLst>
-        </p:spPr>
-      </p:pic>
-      <p:sp>
-        <p:nvSpPr>
-          <p:cNvPr id="8" name="CasellaDiTesto 7">
-            <a:extLst>
-              <a:ext uri="{FF2B5EF4-FFF2-40B4-BE49-F238E27FC236}">
-                <a16:creationId xmlns:a16="http://schemas.microsoft.com/office/drawing/2014/main" id="{3AD1728D-A97C-4C51-B30A-3E3353F2C448}"/>
-              </a:ext>
-            </a:extLst>
-          </p:cNvPr>
-          <p:cNvSpPr txBox="1"/>
-          <p:nvPr/>
-        </p:nvSpPr>
-        <p:spPr>
-          <a:xfrm>
-            <a:off x="7752826" y="1864618"/>
-            <a:ext cx="3187817" cy="545284"/>
-          </a:xfrm>
-          <a:prstGeom prst="rect">
-            <a:avLst/>
-          </a:prstGeom>
-          <a:noFill/>
-        </p:spPr>
-        <p:txBody>
-          <a:bodyPr wrap="none" lIns="0" tIns="0" rIns="0" bIns="0" rtlCol="0">
-            <a:noAutofit/>
-          </a:bodyPr>
-          <a:lstStyle/>
-          <a:p>
-            <a:pPr>
-              <a:lnSpc>
-                <a:spcPct val="90000"/>
-              </a:lnSpc>
-            </a:pPr>
-            <a:r>
-              <a:rPr lang="it-IT" sz="3200" dirty="0"/>
-              <a:t>Database ORACLE</a:t>
-            </a:r>
-          </a:p>
-        </p:txBody>
-      </p:sp>
     </p:spTree>
     <p:extLst>
       <p:ext uri="{BB962C8B-B14F-4D97-AF65-F5344CB8AC3E}">
-        <p14:creationId xmlns:p14="http://schemas.microsoft.com/office/powerpoint/2010/main" val="2446891865"/>
+        <p14:creationId xmlns:p14="http://schemas.microsoft.com/office/powerpoint/2010/main" val="4240796717"/>
       </p:ext>
     </p:extLst>
   </p:cSld>
@@ -17132,75 +17083,85 @@
           <a:chExt cx="0" cy="0"/>
         </a:xfrm>
       </p:grpSpPr>
-      <p:pic>
-        <p:nvPicPr>
-          <p:cNvPr id="8" name="Immagine 7">
+      <p:sp>
+        <p:nvSpPr>
+          <p:cNvPr id="2" name="Titolo 1">
             <a:extLst>
               <a:ext uri="{FF2B5EF4-FFF2-40B4-BE49-F238E27FC236}">
-                <a16:creationId xmlns:a16="http://schemas.microsoft.com/office/drawing/2014/main" id="{BCA08C92-B625-4F25-AED7-04F3DF17D363}"/>
+                <a16:creationId xmlns:a16="http://schemas.microsoft.com/office/drawing/2014/main" id="{C971D46D-A707-4821-A0C2-37696E0EFB40}"/>
               </a:ext>
             </a:extLst>
           </p:cNvPr>
-          <p:cNvPicPr>
-            <a:picLocks noChangeAspect="1"/>
-          </p:cNvPicPr>
+          <p:cNvSpPr>
+            <a:spLocks noGrp="1"/>
+          </p:cNvSpPr>
+          <p:nvPr>
+            <p:ph type="title"/>
+          </p:nvPr>
+        </p:nvSpPr>
+        <p:spPr>
+          <a:xfrm>
+            <a:off x="1697882" y="287282"/>
+            <a:ext cx="9811813" cy="617057"/>
+          </a:xfrm>
+        </p:spPr>
+        <p:txBody>
+          <a:bodyPr/>
+          <a:lstStyle/>
+          <a:p>
+            <a:r>
+              <a:rPr lang="it-IT" dirty="0"/>
+              <a:t>DATI SEMI STRUTTURATI – Dove li memorizzo?</a:t>
+            </a:r>
+          </a:p>
+        </p:txBody>
+      </p:sp>
+      <p:sp>
+        <p:nvSpPr>
+          <p:cNvPr id="3" name="CasellaDiTesto 2">
+            <a:extLst>
+              <a:ext uri="{FF2B5EF4-FFF2-40B4-BE49-F238E27FC236}">
+                <a16:creationId xmlns:a16="http://schemas.microsoft.com/office/drawing/2014/main" id="{048AE1A6-0755-4848-87C6-7AF1524C01B3}"/>
+              </a:ext>
+            </a:extLst>
+          </p:cNvPr>
+          <p:cNvSpPr txBox="1"/>
           <p:nvPr/>
-        </p:nvPicPr>
-        <p:blipFill>
-          <a:blip r:embed="rId3"/>
-          <a:stretch>
-            <a:fillRect/>
-          </a:stretch>
-        </p:blipFill>
-        <p:spPr>
-          <a:xfrm>
-            <a:off x="6601066" y="2272991"/>
-            <a:ext cx="2614568" cy="814157"/>
+        </p:nvSpPr>
+        <p:spPr>
+          <a:xfrm>
+            <a:off x="1812022" y="1857893"/>
+            <a:ext cx="3187817" cy="545284"/>
           </a:xfrm>
           <a:prstGeom prst="rect">
             <a:avLst/>
           </a:prstGeom>
-        </p:spPr>
-      </p:pic>
-      <p:sp>
-        <p:nvSpPr>
-          <p:cNvPr id="2" name="Title 1"/>
-          <p:cNvSpPr>
-            <a:spLocks noGrp="1"/>
-          </p:cNvSpPr>
-          <p:nvPr>
-            <p:ph type="title"/>
-          </p:nvPr>
-        </p:nvSpPr>
-        <p:spPr>
-          <a:xfrm>
-            <a:off x="531812" y="406400"/>
-            <a:ext cx="5299634" cy="578451"/>
-          </a:xfrm>
-        </p:spPr>
-        <p:txBody>
-          <a:bodyPr anchor="t">
+          <a:noFill/>
+        </p:spPr>
+        <p:txBody>
+          <a:bodyPr wrap="none" lIns="0" tIns="0" rIns="0" bIns="0" rtlCol="0">
             <a:noAutofit/>
           </a:bodyPr>
           <a:lstStyle/>
           <a:p>
-            <a:r>
-              <a:rPr lang="en-US" b="1" dirty="0" err="1"/>
-              <a:t>Architettura</a:t>
-            </a:r>
-            <a:r>
-              <a:rPr lang="en-US" b="1" dirty="0"/>
-              <a:t> Oracle APEX</a:t>
+            <a:pPr>
+              <a:lnSpc>
+                <a:spcPct val="90000"/>
+              </a:lnSpc>
+            </a:pPr>
+            <a:r>
+              <a:rPr lang="it-IT" sz="3200" dirty="0"/>
+              <a:t>Database NOSQL</a:t>
             </a:r>
           </a:p>
         </p:txBody>
       </p:sp>
       <p:pic>
         <p:nvPicPr>
-          <p:cNvPr id="34" name="Picture 4">
+          <p:cNvPr id="6146" name="Picture 2">
             <a:extLst>
               <a:ext uri="{FF2B5EF4-FFF2-40B4-BE49-F238E27FC236}">
-                <a16:creationId xmlns:a16="http://schemas.microsoft.com/office/drawing/2014/main" id="{F830C6B0-EE54-4DB5-8E0D-E70BB725EEE9}"/>
+                <a16:creationId xmlns:a16="http://schemas.microsoft.com/office/drawing/2014/main" id="{C4B49A46-5E74-4B99-BAE7-EFD3EE2179FE}"/>
               </a:ext>
             </a:extLst>
           </p:cNvPr>
@@ -17210,7 +17171,7 @@
           <p:nvPr/>
         </p:nvPicPr>
         <p:blipFill>
-          <a:blip r:embed="rId4">
+          <a:blip r:embed="rId2">
             <a:extLst>
               <a:ext uri="{28A0092B-C50C-407E-A947-70E740481C1C}">
                 <a14:useLocalDpi xmlns:a14="http://schemas.microsoft.com/office/drawing/2010/main" val="0"/>
@@ -17224,8 +17185,8 @@
         </p:blipFill>
         <p:spPr bwMode="auto">
           <a:xfrm>
-            <a:off x="893663" y="1870878"/>
-            <a:ext cx="2143125" cy="2143125"/>
+            <a:off x="1966329" y="2927889"/>
+            <a:ext cx="2466975" cy="1847850"/>
           </a:xfrm>
           <a:prstGeom prst="rect">
             <a:avLst/>
@@ -17244,10 +17205,10 @@
       </p:pic>
       <p:sp>
         <p:nvSpPr>
-          <p:cNvPr id="37" name="CasellaDiTesto 36">
+          <p:cNvPr id="6" name="CasellaDiTesto 5">
             <a:extLst>
               <a:ext uri="{FF2B5EF4-FFF2-40B4-BE49-F238E27FC236}">
-                <a16:creationId xmlns:a16="http://schemas.microsoft.com/office/drawing/2014/main" id="{1A3453E0-31CF-42F9-848B-E80772AAE144}"/>
+                <a16:creationId xmlns:a16="http://schemas.microsoft.com/office/drawing/2014/main" id="{4CA8BB87-A3A3-4C1F-B33A-25F4225A437C}"/>
               </a:ext>
             </a:extLst>
           </p:cNvPr>
@@ -17256,8 +17217,8 @@
         </p:nvSpPr>
         <p:spPr>
           <a:xfrm>
-            <a:off x="664130" y="1487114"/>
-            <a:ext cx="4725668" cy="545284"/>
+            <a:off x="5317353" y="3239286"/>
+            <a:ext cx="1992487" cy="545284"/>
           </a:xfrm>
           <a:prstGeom prst="rect">
             <a:avLst/>
@@ -17276,48 +17237,69 @@
               </a:lnSpc>
             </a:pPr>
             <a:r>
-              <a:rPr lang="it-IT" sz="3200" dirty="0"/>
-              <a:t>I Dati nel Database Oracle</a:t>
+              <a:rPr lang="it-IT" sz="3200" dirty="0">
+                <a:solidFill>
+                  <a:schemeClr val="accent1"/>
+                </a:solidFill>
+              </a:rPr>
+              <a:t>MA ANCHE</a:t>
             </a:r>
           </a:p>
         </p:txBody>
       </p:sp>
       <p:pic>
         <p:nvPicPr>
-          <p:cNvPr id="4" name="Immagine 3">
+          <p:cNvPr id="6148" name="Picture 4">
             <a:extLst>
               <a:ext uri="{FF2B5EF4-FFF2-40B4-BE49-F238E27FC236}">
-                <a16:creationId xmlns:a16="http://schemas.microsoft.com/office/drawing/2014/main" id="{51299F66-0566-44CD-A928-5E4933CAFA14}"/>
+                <a16:creationId xmlns:a16="http://schemas.microsoft.com/office/drawing/2014/main" id="{9930B8B2-76AA-4C24-A884-A9E19B8DB89F}"/>
               </a:ext>
             </a:extLst>
           </p:cNvPr>
           <p:cNvPicPr>
-            <a:picLocks noChangeAspect="1"/>
+            <a:picLocks noChangeAspect="1" noChangeArrowheads="1"/>
           </p:cNvPicPr>
           <p:nvPr/>
         </p:nvPicPr>
         <p:blipFill>
-          <a:blip r:embed="rId5"/>
+          <a:blip r:embed="rId3">
+            <a:extLst>
+              <a:ext uri="{28A0092B-C50C-407E-A947-70E740481C1C}">
+                <a14:useLocalDpi xmlns:a14="http://schemas.microsoft.com/office/drawing/2010/main" val="0"/>
+              </a:ext>
+            </a:extLst>
+          </a:blip>
+          <a:srcRect/>
           <a:stretch>
             <a:fillRect/>
           </a:stretch>
         </p:blipFill>
-        <p:spPr>
-          <a:xfrm>
-            <a:off x="3913216" y="2218439"/>
-            <a:ext cx="1476581" cy="1448002"/>
+        <p:spPr bwMode="auto">
+          <a:xfrm>
+            <a:off x="8193889" y="2927889"/>
+            <a:ext cx="2143125" cy="2143125"/>
           </a:xfrm>
           <a:prstGeom prst="rect">
             <a:avLst/>
           </a:prstGeom>
+          <a:noFill/>
+          <a:extLst>
+            <a:ext uri="{909E8E84-426E-40DD-AFC4-6F175D3DCCD1}">
+              <a14:hiddenFill xmlns:a14="http://schemas.microsoft.com/office/drawing/2010/main">
+                <a:solidFill>
+                  <a:srgbClr val="FFFFFF"/>
+                </a:solidFill>
+              </a14:hiddenFill>
+            </a:ext>
+          </a:extLst>
         </p:spPr>
       </p:pic>
       <p:sp>
         <p:nvSpPr>
-          <p:cNvPr id="38" name="CasellaDiTesto 37">
+          <p:cNvPr id="8" name="CasellaDiTesto 7">
             <a:extLst>
               <a:ext uri="{FF2B5EF4-FFF2-40B4-BE49-F238E27FC236}">
-                <a16:creationId xmlns:a16="http://schemas.microsoft.com/office/drawing/2014/main" id="{89E7D87E-1ACD-4A7F-B16A-20B82AAE1B35}"/>
+                <a16:creationId xmlns:a16="http://schemas.microsoft.com/office/drawing/2014/main" id="{3AD1728D-A97C-4C51-B30A-3E3353F2C448}"/>
               </a:ext>
             </a:extLst>
           </p:cNvPr>
@@ -17326,8 +17308,8 @@
         </p:nvSpPr>
         <p:spPr>
           <a:xfrm>
-            <a:off x="6601066" y="1487114"/>
-            <a:ext cx="4015530" cy="545284"/>
+            <a:off x="7752826" y="1864618"/>
+            <a:ext cx="3187817" cy="545284"/>
           </a:xfrm>
           <a:prstGeom prst="rect">
             <a:avLst/>
@@ -17347,107 +17329,7 @@
             </a:pPr>
             <a:r>
               <a:rPr lang="it-IT" sz="3200" dirty="0"/>
-              <a:t>Gli Applicativi in APEX</a:t>
-            </a:r>
-          </a:p>
-        </p:txBody>
-      </p:sp>
-      <p:pic>
-        <p:nvPicPr>
-          <p:cNvPr id="6" name="Immagine 5">
-            <a:extLst>
-              <a:ext uri="{FF2B5EF4-FFF2-40B4-BE49-F238E27FC236}">
-                <a16:creationId xmlns:a16="http://schemas.microsoft.com/office/drawing/2014/main" id="{F32C442A-B8C1-4910-99AD-33AE3BF59AAA}"/>
-              </a:ext>
-            </a:extLst>
-          </p:cNvPr>
-          <p:cNvPicPr>
-            <a:picLocks noChangeAspect="1"/>
-          </p:cNvPicPr>
-          <p:nvPr/>
-        </p:nvPicPr>
-        <p:blipFill>
-          <a:blip r:embed="rId6"/>
-          <a:stretch>
-            <a:fillRect/>
-          </a:stretch>
-        </p:blipFill>
-        <p:spPr>
-          <a:xfrm>
-            <a:off x="9215634" y="2132702"/>
-            <a:ext cx="1724266" cy="1533739"/>
-          </a:xfrm>
-          <a:prstGeom prst="rect">
-            <a:avLst/>
-          </a:prstGeom>
-        </p:spPr>
-      </p:pic>
-      <p:sp>
-        <p:nvSpPr>
-          <p:cNvPr id="9" name="CasellaDiTesto 8">
-            <a:extLst>
-              <a:ext uri="{FF2B5EF4-FFF2-40B4-BE49-F238E27FC236}">
-                <a16:creationId xmlns:a16="http://schemas.microsoft.com/office/drawing/2014/main" id="{4537A16A-622C-4BD3-B9C3-B6ACB69351A4}"/>
-              </a:ext>
-            </a:extLst>
-          </p:cNvPr>
-          <p:cNvSpPr txBox="1"/>
-          <p:nvPr/>
-        </p:nvSpPr>
-        <p:spPr>
-          <a:xfrm>
-            <a:off x="3485953" y="4269996"/>
-            <a:ext cx="6655573" cy="1929468"/>
-          </a:xfrm>
-          <a:prstGeom prst="rect">
-            <a:avLst/>
-          </a:prstGeom>
-          <a:noFill/>
-        </p:spPr>
-        <p:txBody>
-          <a:bodyPr wrap="none" lIns="0" tIns="0" rIns="0" bIns="0" rtlCol="0">
-            <a:noAutofit/>
-          </a:bodyPr>
-          <a:lstStyle/>
-          <a:p>
-            <a:pPr>
-              <a:lnSpc>
-                <a:spcPct val="90000"/>
-              </a:lnSpc>
-            </a:pPr>
-            <a:r>
-              <a:rPr lang="it-IT" sz="3200" dirty="0">
-                <a:solidFill>
-                  <a:schemeClr val="accent1"/>
-                </a:solidFill>
-              </a:rPr>
-              <a:t>APEX usa SOLO dati da:</a:t>
-            </a:r>
-          </a:p>
-          <a:p>
-            <a:pPr marL="285750" indent="-285750">
-              <a:lnSpc>
-                <a:spcPct val="90000"/>
-              </a:lnSpc>
-              <a:buFont typeface="Arial" panose="020B0604020202020204" pitchFamily="34" charset="0"/>
-              <a:buChar char="•"/>
-            </a:pPr>
-            <a:r>
-              <a:rPr lang="it-IT" sz="3200" dirty="0"/>
-              <a:t>Suo Database Oracle</a:t>
-            </a:r>
-          </a:p>
-          <a:p>
-            <a:pPr marL="285750" indent="-285750">
-              <a:lnSpc>
-                <a:spcPct val="90000"/>
-              </a:lnSpc>
-              <a:buFont typeface="Arial" panose="020B0604020202020204" pitchFamily="34" charset="0"/>
-              <a:buChar char="•"/>
-            </a:pPr>
-            <a:r>
-              <a:rPr lang="it-IT" sz="3200" dirty="0"/>
-              <a:t>Servizi REST</a:t>
+              <a:t>Database ORACLE</a:t>
             </a:r>
           </a:p>
         </p:txBody>
@@ -17455,7 +17337,7 @@
     </p:spTree>
     <p:extLst>
       <p:ext uri="{BB962C8B-B14F-4D97-AF65-F5344CB8AC3E}">
-        <p14:creationId xmlns:p14="http://schemas.microsoft.com/office/powerpoint/2010/main" val="403837054"/>
+        <p14:creationId xmlns:p14="http://schemas.microsoft.com/office/powerpoint/2010/main" val="2446891865"/>
       </p:ext>
     </p:extLst>
   </p:cSld>
@@ -17494,51 +17376,88 @@
           <a:chExt cx="0" cy="0"/>
         </a:xfrm>
       </p:grpSpPr>
-      <p:sp>
-        <p:nvSpPr>
-          <p:cNvPr id="37" name="Title 1"/>
-          <p:cNvSpPr>
-            <a:spLocks noGrp="1"/>
-          </p:cNvSpPr>
-          <p:nvPr>
-            <p:ph type="title"/>
-          </p:nvPr>
-        </p:nvSpPr>
-        <p:spPr>
-          <a:xfrm>
-            <a:off x="531812" y="406400"/>
-            <a:ext cx="11125200" cy="889000"/>
-          </a:xfrm>
-        </p:spPr>
-        <p:txBody>
-          <a:bodyPr anchor="t"/>
-          <a:lstStyle/>
-          <a:p>
-            <a:r>
-              <a:rPr lang="en-GB" b="1" dirty="0"/>
-              <a:t>Oracle APEX - </a:t>
-            </a:r>
-            <a:r>
-              <a:rPr lang="en-GB" b="1" dirty="0" err="1"/>
-              <a:t>Concetti</a:t>
-            </a:r>
-            <a:endParaRPr lang="en-US" sz="2400" b="1" dirty="0"/>
-          </a:p>
-        </p:txBody>
-      </p:sp>
       <p:pic>
         <p:nvPicPr>
-          <p:cNvPr id="38" name="D97F59EE-14EB-471A-B750-B0DD0558EC56" descr="4F1809D8-9FC2-460F-8C64-1F24EBD7683C@us"/>
+          <p:cNvPr id="8" name="Immagine 7">
+            <a:extLst>
+              <a:ext uri="{FF2B5EF4-FFF2-40B4-BE49-F238E27FC236}">
+                <a16:creationId xmlns:a16="http://schemas.microsoft.com/office/drawing/2014/main" id="{BCA08C92-B625-4F25-AED7-04F3DF17D363}"/>
+              </a:ext>
+            </a:extLst>
+          </p:cNvPr>
+          <p:cNvPicPr>
+            <a:picLocks noChangeAspect="1"/>
+          </p:cNvPicPr>
+          <p:nvPr/>
+        </p:nvPicPr>
+        <p:blipFill>
+          <a:blip r:embed="rId3"/>
+          <a:stretch>
+            <a:fillRect/>
+          </a:stretch>
+        </p:blipFill>
+        <p:spPr>
+          <a:xfrm>
+            <a:off x="6601066" y="2272991"/>
+            <a:ext cx="2614568" cy="814157"/>
+          </a:xfrm>
+          <a:prstGeom prst="rect">
+            <a:avLst/>
+          </a:prstGeom>
+        </p:spPr>
+      </p:pic>
+      <p:sp>
+        <p:nvSpPr>
+          <p:cNvPr id="2" name="Title 1"/>
+          <p:cNvSpPr>
+            <a:spLocks noGrp="1"/>
+          </p:cNvSpPr>
+          <p:nvPr>
+            <p:ph type="title"/>
+          </p:nvPr>
+        </p:nvSpPr>
+        <p:spPr>
+          <a:xfrm>
+            <a:off x="531812" y="406400"/>
+            <a:ext cx="5299634" cy="578451"/>
+          </a:xfrm>
+        </p:spPr>
+        <p:txBody>
+          <a:bodyPr anchor="t">
+            <a:noAutofit/>
+          </a:bodyPr>
+          <a:lstStyle/>
+          <a:p>
+            <a:r>
+              <a:rPr lang="en-US" b="1" dirty="0" err="1"/>
+              <a:t>Architettura</a:t>
+            </a:r>
+            <a:r>
+              <a:rPr lang="en-US" b="1" dirty="0"/>
+              <a:t> Oracle APEX</a:t>
+            </a:r>
+          </a:p>
+        </p:txBody>
+      </p:sp>
+      <p:pic>
+        <p:nvPicPr>
+          <p:cNvPr id="34" name="Picture 4">
+            <a:extLst>
+              <a:ext uri="{FF2B5EF4-FFF2-40B4-BE49-F238E27FC236}">
+                <a16:creationId xmlns:a16="http://schemas.microsoft.com/office/drawing/2014/main" id="{F830C6B0-EE54-4DB5-8E0D-E70BB725EEE9}"/>
+              </a:ext>
+            </a:extLst>
+          </p:cNvPr>
           <p:cNvPicPr>
             <a:picLocks noChangeAspect="1" noChangeArrowheads="1"/>
           </p:cNvPicPr>
           <p:nvPr/>
         </p:nvPicPr>
         <p:blipFill>
-          <a:blip r:embed="rId3" cstate="screen">
+          <a:blip r:embed="rId4">
             <a:extLst>
               <a:ext uri="{28A0092B-C50C-407E-A947-70E740481C1C}">
-                <a14:useLocalDpi xmlns:a14="http://schemas.microsoft.com/office/drawing/2010/main"/>
+                <a14:useLocalDpi xmlns:a14="http://schemas.microsoft.com/office/drawing/2010/main" val="0"/>
               </a:ext>
             </a:extLst>
           </a:blip>
@@ -17549,27 +17468,30 @@
         </p:blipFill>
         <p:spPr bwMode="auto">
           <a:xfrm>
-            <a:off x="2055812" y="1219200"/>
-            <a:ext cx="8686800" cy="4663440"/>
+            <a:off x="893663" y="1870878"/>
+            <a:ext cx="2143125" cy="2143125"/>
           </a:xfrm>
           <a:prstGeom prst="rect">
             <a:avLst/>
           </a:prstGeom>
           <a:noFill/>
-          <a:ln w="9525">
-            <a:noFill/>
-            <a:miter lim="800000"/>
-            <a:headEnd/>
-            <a:tailEnd/>
-          </a:ln>
+          <a:extLst>
+            <a:ext uri="{909E8E84-426E-40DD-AFC4-6F175D3DCCD1}">
+              <a14:hiddenFill xmlns:a14="http://schemas.microsoft.com/office/drawing/2010/main">
+                <a:solidFill>
+                  <a:srgbClr val="FFFFFF"/>
+                </a:solidFill>
+              </a14:hiddenFill>
+            </a:ext>
+          </a:extLst>
         </p:spPr>
       </p:pic>
       <p:sp>
         <p:nvSpPr>
-          <p:cNvPr id="4" name="Application Express Engine (APEX)">
+          <p:cNvPr id="37" name="CasellaDiTesto 36">
             <a:extLst>
               <a:ext uri="{FF2B5EF4-FFF2-40B4-BE49-F238E27FC236}">
-                <a16:creationId xmlns:a16="http://schemas.microsoft.com/office/drawing/2014/main" id="{F14FFC90-FFA5-45F1-ADC7-F5636BB8C17F}"/>
+                <a16:creationId xmlns:a16="http://schemas.microsoft.com/office/drawing/2014/main" id="{1A3453E0-31CF-42F9-848B-E80772AAE144}"/>
               </a:ext>
             </a:extLst>
           </p:cNvPr>
@@ -17578,48 +17500,68 @@
         </p:nvSpPr>
         <p:spPr>
           <a:xfrm>
-            <a:off x="5290759" y="767349"/>
-            <a:ext cx="2216906" cy="443198"/>
+            <a:off x="664130" y="1487114"/>
+            <a:ext cx="4725668" cy="545284"/>
           </a:xfrm>
           <a:prstGeom prst="rect">
             <a:avLst/>
           </a:prstGeom>
-          <a:ln w="12700">
-            <a:miter lim="400000"/>
-          </a:ln>
-          <a:extLst>
-            <a:ext uri="{C572A759-6A51-4108-AA02-DFA0A04FC94B}">
-              <ma14:wrappingTextBoxFlag xmlns="" xmlns:ma14="http://schemas.microsoft.com/office/mac/drawingml/2011/main" val="1"/>
-            </a:ext>
-          </a:extLst>
-        </p:spPr>
-        <p:txBody>
-          <a:bodyPr wrap="square" lIns="0" tIns="0" rIns="0" bIns="0">
-            <a:spAutoFit/>
+          <a:noFill/>
+        </p:spPr>
+        <p:txBody>
+          <a:bodyPr wrap="none" lIns="0" tIns="0" rIns="0" bIns="0" rtlCol="0">
+            <a:noAutofit/>
           </a:bodyPr>
-          <a:lstStyle>
-            <a:lvl1pPr algn="r">
+          <a:lstStyle/>
+          <a:p>
+            <a:pPr>
               <a:lnSpc>
                 <a:spcPct val="90000"/>
               </a:lnSpc>
-            </a:lvl1pPr>
-          </a:lstStyle>
-          <a:p>
-            <a:pPr algn="l"/>
-            <a:r>
-              <a:rPr lang="en-US" sz="3200" dirty="0"/>
-              <a:t>Oracle APEX</a:t>
-            </a:r>
-            <a:endParaRPr sz="3200" dirty="0"/>
-          </a:p>
-        </p:txBody>
-      </p:sp>
-      <p:sp>
-        <p:nvSpPr>
-          <p:cNvPr id="6" name="Application Express Engine (APEX)">
+            </a:pPr>
+            <a:r>
+              <a:rPr lang="it-IT" sz="3200" dirty="0"/>
+              <a:t>I Dati nel Database Oracle</a:t>
+            </a:r>
+          </a:p>
+        </p:txBody>
+      </p:sp>
+      <p:pic>
+        <p:nvPicPr>
+          <p:cNvPr id="4" name="Immagine 3">
             <a:extLst>
               <a:ext uri="{FF2B5EF4-FFF2-40B4-BE49-F238E27FC236}">
-                <a16:creationId xmlns:a16="http://schemas.microsoft.com/office/drawing/2014/main" id="{BDEAF28C-7B1A-4977-AB3B-6D67F3DFC488}"/>
+                <a16:creationId xmlns:a16="http://schemas.microsoft.com/office/drawing/2014/main" id="{51299F66-0566-44CD-A928-5E4933CAFA14}"/>
+              </a:ext>
+            </a:extLst>
+          </p:cNvPr>
+          <p:cNvPicPr>
+            <a:picLocks noChangeAspect="1"/>
+          </p:cNvPicPr>
+          <p:nvPr/>
+        </p:nvPicPr>
+        <p:blipFill>
+          <a:blip r:embed="rId5"/>
+          <a:stretch>
+            <a:fillRect/>
+          </a:stretch>
+        </p:blipFill>
+        <p:spPr>
+          <a:xfrm>
+            <a:off x="3913216" y="2218439"/>
+            <a:ext cx="1476581" cy="1448002"/>
+          </a:xfrm>
+          <a:prstGeom prst="rect">
+            <a:avLst/>
+          </a:prstGeom>
+        </p:spPr>
+      </p:pic>
+      <p:sp>
+        <p:nvSpPr>
+          <p:cNvPr id="38" name="CasellaDiTesto 37">
+            <a:extLst>
+              <a:ext uri="{FF2B5EF4-FFF2-40B4-BE49-F238E27FC236}">
+                <a16:creationId xmlns:a16="http://schemas.microsoft.com/office/drawing/2014/main" id="{89E7D87E-1ACD-4A7F-B16A-20B82AAE1B35}"/>
               </a:ext>
             </a:extLst>
           </p:cNvPr>
@@ -17628,46 +17570,136 @@
         </p:nvSpPr>
         <p:spPr>
           <a:xfrm>
-            <a:off x="8229600" y="753761"/>
-            <a:ext cx="2869035" cy="443198"/>
+            <a:off x="6601066" y="1487114"/>
+            <a:ext cx="4015530" cy="545284"/>
           </a:xfrm>
           <a:prstGeom prst="rect">
             <a:avLst/>
           </a:prstGeom>
-          <a:ln w="12700">
-            <a:miter lim="400000"/>
-          </a:ln>
-          <a:extLst>
-            <a:ext uri="{C572A759-6A51-4108-AA02-DFA0A04FC94B}">
-              <ma14:wrappingTextBoxFlag xmlns="" xmlns:ma14="http://schemas.microsoft.com/office/mac/drawingml/2011/main" val="1"/>
-            </a:ext>
-          </a:extLst>
-        </p:spPr>
-        <p:txBody>
-          <a:bodyPr wrap="square" lIns="0" tIns="0" rIns="0" bIns="0">
-            <a:spAutoFit/>
+          <a:noFill/>
+        </p:spPr>
+        <p:txBody>
+          <a:bodyPr wrap="none" lIns="0" tIns="0" rIns="0" bIns="0" rtlCol="0">
+            <a:noAutofit/>
           </a:bodyPr>
-          <a:lstStyle>
-            <a:lvl1pPr algn="r">
+          <a:lstStyle/>
+          <a:p>
+            <a:pPr>
               <a:lnSpc>
                 <a:spcPct val="90000"/>
               </a:lnSpc>
-            </a:lvl1pPr>
-          </a:lstStyle>
-          <a:p>
-            <a:pPr algn="l"/>
-            <a:r>
-              <a:rPr lang="en-US" sz="3200" dirty="0"/>
-              <a:t>Oracle Database</a:t>
-            </a:r>
-            <a:endParaRPr sz="3200" dirty="0"/>
+            </a:pPr>
+            <a:r>
+              <a:rPr lang="it-IT" sz="3200" dirty="0"/>
+              <a:t>Gli Applicativi in APEX</a:t>
+            </a:r>
+          </a:p>
+        </p:txBody>
+      </p:sp>
+      <p:pic>
+        <p:nvPicPr>
+          <p:cNvPr id="6" name="Immagine 5">
+            <a:extLst>
+              <a:ext uri="{FF2B5EF4-FFF2-40B4-BE49-F238E27FC236}">
+                <a16:creationId xmlns:a16="http://schemas.microsoft.com/office/drawing/2014/main" id="{F32C442A-B8C1-4910-99AD-33AE3BF59AAA}"/>
+              </a:ext>
+            </a:extLst>
+          </p:cNvPr>
+          <p:cNvPicPr>
+            <a:picLocks noChangeAspect="1"/>
+          </p:cNvPicPr>
+          <p:nvPr/>
+        </p:nvPicPr>
+        <p:blipFill>
+          <a:blip r:embed="rId6"/>
+          <a:stretch>
+            <a:fillRect/>
+          </a:stretch>
+        </p:blipFill>
+        <p:spPr>
+          <a:xfrm>
+            <a:off x="9215634" y="2132702"/>
+            <a:ext cx="1724266" cy="1533739"/>
+          </a:xfrm>
+          <a:prstGeom prst="rect">
+            <a:avLst/>
+          </a:prstGeom>
+        </p:spPr>
+      </p:pic>
+      <p:sp>
+        <p:nvSpPr>
+          <p:cNvPr id="9" name="CasellaDiTesto 8">
+            <a:extLst>
+              <a:ext uri="{FF2B5EF4-FFF2-40B4-BE49-F238E27FC236}">
+                <a16:creationId xmlns:a16="http://schemas.microsoft.com/office/drawing/2014/main" id="{4537A16A-622C-4BD3-B9C3-B6ACB69351A4}"/>
+              </a:ext>
+            </a:extLst>
+          </p:cNvPr>
+          <p:cNvSpPr txBox="1"/>
+          <p:nvPr/>
+        </p:nvSpPr>
+        <p:spPr>
+          <a:xfrm>
+            <a:off x="3485953" y="4269996"/>
+            <a:ext cx="6655573" cy="1929468"/>
+          </a:xfrm>
+          <a:prstGeom prst="rect">
+            <a:avLst/>
+          </a:prstGeom>
+          <a:noFill/>
+        </p:spPr>
+        <p:txBody>
+          <a:bodyPr wrap="none" lIns="0" tIns="0" rIns="0" bIns="0" rtlCol="0">
+            <a:noAutofit/>
+          </a:bodyPr>
+          <a:lstStyle/>
+          <a:p>
+            <a:pPr>
+              <a:lnSpc>
+                <a:spcPct val="90000"/>
+              </a:lnSpc>
+            </a:pPr>
+            <a:r>
+              <a:rPr lang="it-IT" sz="3200" dirty="0">
+                <a:solidFill>
+                  <a:schemeClr val="accent1"/>
+                </a:solidFill>
+              </a:rPr>
+              <a:t>APEX usa SOLO dati da:</a:t>
+            </a:r>
+          </a:p>
+          <a:p>
+            <a:pPr marL="285750" indent="-285750">
+              <a:lnSpc>
+                <a:spcPct val="90000"/>
+              </a:lnSpc>
+              <a:buFont typeface="Arial" panose="020B0604020202020204" pitchFamily="34" charset="0"/>
+              <a:buChar char="•"/>
+            </a:pPr>
+            <a:r>
+              <a:rPr lang="it-IT" sz="3200" dirty="0"/>
+              <a:t>Suo Database Oracle</a:t>
+            </a:r>
+          </a:p>
+          <a:p>
+            <a:pPr marL="285750" indent="-285750">
+              <a:lnSpc>
+                <a:spcPct val="90000"/>
+              </a:lnSpc>
+              <a:buFont typeface="Arial" panose="020B0604020202020204" pitchFamily="34" charset="0"/>
+              <a:buChar char="•"/>
+            </a:pPr>
+            <a:r>
+              <a:rPr lang="it-IT" sz="3200" dirty="0"/>
+              <a:t>Servizi REST</a:t>
+            </a:r>
           </a:p>
         </p:txBody>
       </p:sp>
     </p:spTree>
     <p:extLst>
       <p:ext uri="{BB962C8B-B14F-4D97-AF65-F5344CB8AC3E}">
-        <p14:creationId xmlns:p14="http://schemas.microsoft.com/office/powerpoint/2010/main" val="1832689142"/>
+        <p14:creationId xmlns:p14="http://schemas.microsoft.com/office/powerpoint/2010/main" val="403837054"/>
       </p:ext>
     </p:extLst>
   </p:cSld>
@@ -17708,43 +17740,80 @@
       </p:grpSpPr>
       <p:sp>
         <p:nvSpPr>
-          <p:cNvPr id="2" name="Titolo 1">
+          <p:cNvPr id="37" name="Title 1"/>
+          <p:cNvSpPr>
+            <a:spLocks noGrp="1"/>
+          </p:cNvSpPr>
+          <p:nvPr>
+            <p:ph type="title"/>
+          </p:nvPr>
+        </p:nvSpPr>
+        <p:spPr>
+          <a:xfrm>
+            <a:off x="531812" y="406400"/>
+            <a:ext cx="11125200" cy="889000"/>
+          </a:xfrm>
+        </p:spPr>
+        <p:txBody>
+          <a:bodyPr anchor="t"/>
+          <a:lstStyle/>
+          <a:p>
+            <a:r>
+              <a:rPr lang="en-GB" b="1" dirty="0"/>
+              <a:t>Oracle APEX - </a:t>
+            </a:r>
+            <a:r>
+              <a:rPr lang="en-GB" b="1" dirty="0" err="1"/>
+              <a:t>Concetti</a:t>
+            </a:r>
+            <a:endParaRPr lang="en-US" sz="2400" b="1" dirty="0"/>
+          </a:p>
+        </p:txBody>
+      </p:sp>
+      <p:pic>
+        <p:nvPicPr>
+          <p:cNvPr id="38" name="D97F59EE-14EB-471A-B750-B0DD0558EC56" descr="4F1809D8-9FC2-460F-8C64-1F24EBD7683C@us"/>
+          <p:cNvPicPr>
+            <a:picLocks noChangeAspect="1" noChangeArrowheads="1"/>
+          </p:cNvPicPr>
+          <p:nvPr/>
+        </p:nvPicPr>
+        <p:blipFill>
+          <a:blip r:embed="rId3" cstate="screen">
+            <a:extLst>
+              <a:ext uri="{28A0092B-C50C-407E-A947-70E740481C1C}">
+                <a14:useLocalDpi xmlns:a14="http://schemas.microsoft.com/office/drawing/2010/main"/>
+              </a:ext>
+            </a:extLst>
+          </a:blip>
+          <a:srcRect/>
+          <a:stretch>
+            <a:fillRect/>
+          </a:stretch>
+        </p:blipFill>
+        <p:spPr bwMode="auto">
+          <a:xfrm>
+            <a:off x="2055812" y="1219200"/>
+            <a:ext cx="8686800" cy="4663440"/>
+          </a:xfrm>
+          <a:prstGeom prst="rect">
+            <a:avLst/>
+          </a:prstGeom>
+          <a:noFill/>
+          <a:ln w="9525">
+            <a:noFill/>
+            <a:miter lim="800000"/>
+            <a:headEnd/>
+            <a:tailEnd/>
+          </a:ln>
+        </p:spPr>
+      </p:pic>
+      <p:sp>
+        <p:nvSpPr>
+          <p:cNvPr id="4" name="Application Express Engine (APEX)">
             <a:extLst>
               <a:ext uri="{FF2B5EF4-FFF2-40B4-BE49-F238E27FC236}">
-                <a16:creationId xmlns:a16="http://schemas.microsoft.com/office/drawing/2014/main" id="{DE19767E-BE2C-4DBD-8ADE-548FC37F7A83}"/>
-              </a:ext>
-            </a:extLst>
-          </p:cNvPr>
-          <p:cNvSpPr>
-            <a:spLocks noGrp="1"/>
-          </p:cNvSpPr>
-          <p:nvPr>
-            <p:ph type="title"/>
-          </p:nvPr>
-        </p:nvSpPr>
-        <p:spPr>
-          <a:xfrm>
-            <a:off x="531812" y="406400"/>
-            <a:ext cx="11125200" cy="499611"/>
-          </a:xfrm>
-        </p:spPr>
-        <p:txBody>
-          <a:bodyPr/>
-          <a:lstStyle/>
-          <a:p>
-            <a:r>
-              <a:rPr lang="it-IT" dirty="0"/>
-              <a:t>Link agli esempi</a:t>
-            </a:r>
-          </a:p>
-        </p:txBody>
-      </p:sp>
-      <p:sp>
-        <p:nvSpPr>
-          <p:cNvPr id="4" name="CasellaDiTesto 3">
-            <a:extLst>
-              <a:ext uri="{FF2B5EF4-FFF2-40B4-BE49-F238E27FC236}">
-                <a16:creationId xmlns:a16="http://schemas.microsoft.com/office/drawing/2014/main" id="{0FC2C629-52EB-414C-8F92-1480F9F6D07A}"/>
+                <a16:creationId xmlns:a16="http://schemas.microsoft.com/office/drawing/2014/main" id="{F14FFC90-FFA5-45F1-ADC7-F5636BB8C17F}"/>
               </a:ext>
             </a:extLst>
           </p:cNvPr>
@@ -17753,94 +17822,96 @@
         </p:nvSpPr>
         <p:spPr>
           <a:xfrm>
-            <a:off x="441818" y="895101"/>
-            <a:ext cx="11462160" cy="3970318"/>
+            <a:off x="5290759" y="767349"/>
+            <a:ext cx="2216906" cy="443198"/>
           </a:xfrm>
           <a:prstGeom prst="rect">
             <a:avLst/>
           </a:prstGeom>
-          <a:noFill/>
-        </p:spPr>
-        <p:txBody>
-          <a:bodyPr wrap="square">
+          <a:ln w="12700">
+            <a:miter lim="400000"/>
+          </a:ln>
+          <a:extLst>
+            <a:ext uri="{C572A759-6A51-4108-AA02-DFA0A04FC94B}">
+              <ma14:wrappingTextBoxFlag xmlns="" xmlns:ma14="http://schemas.microsoft.com/office/mac/drawingml/2011/main" val="1"/>
+            </a:ext>
+          </a:extLst>
+        </p:spPr>
+        <p:txBody>
+          <a:bodyPr wrap="square" lIns="0" tIns="0" rIns="0" bIns="0">
             <a:spAutoFit/>
           </a:bodyPr>
-          <a:lstStyle/>
-          <a:p>
-            <a:r>
-              <a:rPr lang="it-IT" dirty="0">
-                <a:hlinkClick r:id="rId2"/>
-              </a:rPr>
-              <a:t>https://cnde8nae4maapcd-oramms.adb.eu-zurich-1.oraclecloudapps.com/ords/r/ced/ft-1000-europe-s-fastest-growing-companies/home</a:t>
-            </a:r>
-            <a:endParaRPr lang="it-IT" dirty="0"/>
-          </a:p>
-          <a:p>
-            <a:endParaRPr lang="it-IT" dirty="0"/>
-          </a:p>
-          <a:p>
-            <a:r>
-              <a:rPr lang="it-IT" dirty="0">
-                <a:hlinkClick r:id="rId3"/>
-              </a:rPr>
-              <a:t>https://cnde8nae4maapcd-oramms.adb.eu-zurich-1.oraclecloudapps.com/ords/r/ced/reports/lebron-vs-jordan</a:t>
-            </a:r>
-            <a:endParaRPr lang="it-IT" dirty="0"/>
-          </a:p>
-          <a:p>
-            <a:endParaRPr lang="it-IT" dirty="0"/>
-          </a:p>
-          <a:p>
-            <a:r>
-              <a:rPr lang="it-IT" dirty="0">
-                <a:hlinkClick r:id="rId4"/>
-              </a:rPr>
-              <a:t>https://cnde8nae4maapcd-oramms.adb.eu-zurich-1.oraclecloudapps.com/ords/r/ced/mv2-analytics-kickstarter-crowdfunding-challenge/</a:t>
-            </a:r>
-            <a:endParaRPr lang="it-IT" dirty="0"/>
-          </a:p>
-          <a:p>
-            <a:endParaRPr lang="it-IT" dirty="0"/>
-          </a:p>
-          <a:p>
-            <a:r>
-              <a:rPr lang="it-IT" dirty="0">
-                <a:hlinkClick r:id="rId5"/>
-              </a:rPr>
-              <a:t>https://cnde8nae4maapcd-oramms.adb.eu-zurich-1.oraclecloudapps.com/ords/r/at0/example-products/example-products</a:t>
-            </a:r>
-            <a:endParaRPr lang="it-IT" dirty="0"/>
-          </a:p>
-          <a:p>
-            <a:endParaRPr lang="it-IT" dirty="0"/>
-          </a:p>
-          <a:p>
-            <a:r>
-              <a:rPr lang="it-IT" dirty="0">
-                <a:hlinkClick r:id="rId6"/>
-              </a:rPr>
-              <a:t>https://apex.oracle.com/pls/apex/r/rcone/clc-calcio/</a:t>
-            </a:r>
-            <a:endParaRPr lang="it-IT" dirty="0"/>
-          </a:p>
-          <a:p>
-            <a:endParaRPr lang="it-IT" dirty="0"/>
-          </a:p>
-          <a:p>
-            <a:r>
-              <a:rPr lang="it-IT" dirty="0">
-                <a:hlinkClick r:id="rId7"/>
-              </a:rPr>
-              <a:t>https://apex.oracle.com/pls/apex/r/rc3/x0-comuni/mappa-x0-comuni</a:t>
-            </a:r>
-            <a:endParaRPr lang="it-IT" dirty="0"/>
+          <a:lstStyle>
+            <a:lvl1pPr algn="r">
+              <a:lnSpc>
+                <a:spcPct val="90000"/>
+              </a:lnSpc>
+            </a:lvl1pPr>
+          </a:lstStyle>
+          <a:p>
+            <a:pPr algn="l"/>
+            <a:r>
+              <a:rPr lang="en-US" sz="3200" dirty="0"/>
+              <a:t>Oracle APEX</a:t>
+            </a:r>
+            <a:endParaRPr sz="3200" dirty="0"/>
+          </a:p>
+        </p:txBody>
+      </p:sp>
+      <p:sp>
+        <p:nvSpPr>
+          <p:cNvPr id="6" name="Application Express Engine (APEX)">
+            <a:extLst>
+              <a:ext uri="{FF2B5EF4-FFF2-40B4-BE49-F238E27FC236}">
+                <a16:creationId xmlns:a16="http://schemas.microsoft.com/office/drawing/2014/main" id="{BDEAF28C-7B1A-4977-AB3B-6D67F3DFC488}"/>
+              </a:ext>
+            </a:extLst>
+          </p:cNvPr>
+          <p:cNvSpPr txBox="1"/>
+          <p:nvPr/>
+        </p:nvSpPr>
+        <p:spPr>
+          <a:xfrm>
+            <a:off x="8229600" y="753761"/>
+            <a:ext cx="2869035" cy="443198"/>
+          </a:xfrm>
+          <a:prstGeom prst="rect">
+            <a:avLst/>
+          </a:prstGeom>
+          <a:ln w="12700">
+            <a:miter lim="400000"/>
+          </a:ln>
+          <a:extLst>
+            <a:ext uri="{C572A759-6A51-4108-AA02-DFA0A04FC94B}">
+              <ma14:wrappingTextBoxFlag xmlns="" xmlns:ma14="http://schemas.microsoft.com/office/mac/drawingml/2011/main" val="1"/>
+            </a:ext>
+          </a:extLst>
+        </p:spPr>
+        <p:txBody>
+          <a:bodyPr wrap="square" lIns="0" tIns="0" rIns="0" bIns="0">
+            <a:spAutoFit/>
+          </a:bodyPr>
+          <a:lstStyle>
+            <a:lvl1pPr algn="r">
+              <a:lnSpc>
+                <a:spcPct val="90000"/>
+              </a:lnSpc>
+            </a:lvl1pPr>
+          </a:lstStyle>
+          <a:p>
+            <a:pPr algn="l"/>
+            <a:r>
+              <a:rPr lang="en-US" sz="3200" dirty="0"/>
+              <a:t>Oracle Database</a:t>
+            </a:r>
+            <a:endParaRPr sz="3200" dirty="0"/>
           </a:p>
         </p:txBody>
       </p:sp>
     </p:spTree>
     <p:extLst>
       <p:ext uri="{BB962C8B-B14F-4D97-AF65-F5344CB8AC3E}">
-        <p14:creationId xmlns:p14="http://schemas.microsoft.com/office/powerpoint/2010/main" val="2353320228"/>
+        <p14:creationId xmlns:p14="http://schemas.microsoft.com/office/powerpoint/2010/main" val="1832689142"/>
       </p:ext>
     </p:extLst>
   </p:cSld>
@@ -18855,7 +18926,7 @@
           <p:cNvPr id="2" name="Titolo 1">
             <a:extLst>
               <a:ext uri="{FF2B5EF4-FFF2-40B4-BE49-F238E27FC236}">
-                <a16:creationId xmlns:a16="http://schemas.microsoft.com/office/drawing/2014/main" id="{7C0B34A2-5AA5-4780-A8E1-6463893AEEB6}"/>
+                <a16:creationId xmlns:a16="http://schemas.microsoft.com/office/drawing/2014/main" id="{DE19767E-BE2C-4DBD-8ADE-548FC37F7A83}"/>
               </a:ext>
             </a:extLst>
           </p:cNvPr>
@@ -18868,8 +18939,8 @@
         </p:nvSpPr>
         <p:spPr>
           <a:xfrm>
-            <a:off x="2360612" y="258617"/>
-            <a:ext cx="7848600" cy="889000"/>
+            <a:off x="531812" y="406400"/>
+            <a:ext cx="11125200" cy="499611"/>
           </a:xfrm>
         </p:spPr>
         <p:txBody>
@@ -18878,62 +18949,113 @@
           <a:p>
             <a:r>
               <a:rPr lang="it-IT" dirty="0"/>
-              <a:t>DATI STRUTTURATI e NON STRUTTURATI</a:t>
-            </a:r>
-          </a:p>
-        </p:txBody>
-      </p:sp>
-      <p:pic>
-        <p:nvPicPr>
-          <p:cNvPr id="1026" name="Picture 2">
+              <a:t>Link agli esempi</a:t>
+            </a:r>
+          </a:p>
+        </p:txBody>
+      </p:sp>
+      <p:sp>
+        <p:nvSpPr>
+          <p:cNvPr id="4" name="CasellaDiTesto 3">
             <a:extLst>
               <a:ext uri="{FF2B5EF4-FFF2-40B4-BE49-F238E27FC236}">
-                <a16:creationId xmlns:a16="http://schemas.microsoft.com/office/drawing/2014/main" id="{EC9310A0-7903-4513-8EB2-BDEAF7838F8F}"/>
+                <a16:creationId xmlns:a16="http://schemas.microsoft.com/office/drawing/2014/main" id="{0FC2C629-52EB-414C-8F92-1480F9F6D07A}"/>
               </a:ext>
             </a:extLst>
           </p:cNvPr>
-          <p:cNvPicPr>
-            <a:picLocks noChangeAspect="1" noChangeArrowheads="1"/>
-          </p:cNvPicPr>
+          <p:cNvSpPr txBox="1"/>
           <p:nvPr/>
-        </p:nvPicPr>
-        <p:blipFill>
-          <a:blip r:embed="rId2">
-            <a:extLst>
-              <a:ext uri="{28A0092B-C50C-407E-A947-70E740481C1C}">
-                <a14:useLocalDpi xmlns:a14="http://schemas.microsoft.com/office/drawing/2010/main" val="0"/>
-              </a:ext>
-            </a:extLst>
-          </a:blip>
-          <a:srcRect/>
-          <a:stretch>
-            <a:fillRect/>
-          </a:stretch>
-        </p:blipFill>
-        <p:spPr bwMode="auto">
-          <a:xfrm>
-            <a:off x="2170113" y="1466850"/>
-            <a:ext cx="7848600" cy="3924300"/>
+        </p:nvSpPr>
+        <p:spPr>
+          <a:xfrm>
+            <a:off x="441818" y="895101"/>
+            <a:ext cx="11462160" cy="3970318"/>
           </a:xfrm>
           <a:prstGeom prst="rect">
             <a:avLst/>
           </a:prstGeom>
           <a:noFill/>
-          <a:extLst>
-            <a:ext uri="{909E8E84-426E-40DD-AFC4-6F175D3DCCD1}">
-              <a14:hiddenFill xmlns:a14="http://schemas.microsoft.com/office/drawing/2010/main">
-                <a:solidFill>
-                  <a:srgbClr val="FFFFFF"/>
-                </a:solidFill>
-              </a14:hiddenFill>
-            </a:ext>
-          </a:extLst>
-        </p:spPr>
-      </p:pic>
+        </p:spPr>
+        <p:txBody>
+          <a:bodyPr wrap="square">
+            <a:spAutoFit/>
+          </a:bodyPr>
+          <a:lstStyle/>
+          <a:p>
+            <a:r>
+              <a:rPr lang="it-IT" dirty="0">
+                <a:hlinkClick r:id="rId2"/>
+              </a:rPr>
+              <a:t>https://cnde8nae4maapcd-oramms.adb.eu-zurich-1.oraclecloudapps.com/ords/r/ced/ft-1000-europe-s-fastest-growing-companies/home</a:t>
+            </a:r>
+            <a:endParaRPr lang="it-IT" dirty="0"/>
+          </a:p>
+          <a:p>
+            <a:endParaRPr lang="it-IT" dirty="0"/>
+          </a:p>
+          <a:p>
+            <a:r>
+              <a:rPr lang="it-IT" dirty="0">
+                <a:hlinkClick r:id="rId3"/>
+              </a:rPr>
+              <a:t>https://cnde8nae4maapcd-oramms.adb.eu-zurich-1.oraclecloudapps.com/ords/r/ced/reports/lebron-vs-jordan</a:t>
+            </a:r>
+            <a:endParaRPr lang="it-IT" dirty="0"/>
+          </a:p>
+          <a:p>
+            <a:endParaRPr lang="it-IT" dirty="0"/>
+          </a:p>
+          <a:p>
+            <a:r>
+              <a:rPr lang="it-IT" dirty="0">
+                <a:hlinkClick r:id="rId4"/>
+              </a:rPr>
+              <a:t>https://cnde8nae4maapcd-oramms.adb.eu-zurich-1.oraclecloudapps.com/ords/r/ced/mv2-analytics-kickstarter-crowdfunding-challenge/</a:t>
+            </a:r>
+            <a:endParaRPr lang="it-IT" dirty="0"/>
+          </a:p>
+          <a:p>
+            <a:endParaRPr lang="it-IT" dirty="0"/>
+          </a:p>
+          <a:p>
+            <a:r>
+              <a:rPr lang="it-IT" dirty="0">
+                <a:hlinkClick r:id="rId5"/>
+              </a:rPr>
+              <a:t>https://cnde8nae4maapcd-oramms.adb.eu-zurich-1.oraclecloudapps.com/ords/r/at0/example-products/example-products</a:t>
+            </a:r>
+            <a:endParaRPr lang="it-IT" dirty="0"/>
+          </a:p>
+          <a:p>
+            <a:endParaRPr lang="it-IT" dirty="0"/>
+          </a:p>
+          <a:p>
+            <a:r>
+              <a:rPr lang="it-IT" dirty="0">
+                <a:hlinkClick r:id="rId6"/>
+              </a:rPr>
+              <a:t>https://apex.oracle.com/pls/apex/r/rcone/clc-calcio/</a:t>
+            </a:r>
+            <a:endParaRPr lang="it-IT" dirty="0"/>
+          </a:p>
+          <a:p>
+            <a:endParaRPr lang="it-IT" dirty="0"/>
+          </a:p>
+          <a:p>
+            <a:r>
+              <a:rPr lang="it-IT" dirty="0">
+                <a:hlinkClick r:id="rId7"/>
+              </a:rPr>
+              <a:t>https://apex.oracle.com/pls/apex/r/rc3/x0-comuni/mappa-x0-comuni</a:t>
+            </a:r>
+            <a:endParaRPr lang="it-IT" dirty="0"/>
+          </a:p>
+        </p:txBody>
+      </p:sp>
     </p:spTree>
     <p:extLst>
       <p:ext uri="{BB962C8B-B14F-4D97-AF65-F5344CB8AC3E}">
-        <p14:creationId xmlns:p14="http://schemas.microsoft.com/office/powerpoint/2010/main" val="762562722"/>
+        <p14:creationId xmlns:p14="http://schemas.microsoft.com/office/powerpoint/2010/main" val="2353320228"/>
       </p:ext>
     </p:extLst>
   </p:cSld>
@@ -19005,187 +19127,57 @@
           </a:p>
         </p:txBody>
       </p:sp>
-      <p:sp>
-        <p:nvSpPr>
-          <p:cNvPr id="3" name="CasellaDiTesto 2">
+      <p:pic>
+        <p:nvPicPr>
+          <p:cNvPr id="1026" name="Picture 2">
             <a:extLst>
               <a:ext uri="{FF2B5EF4-FFF2-40B4-BE49-F238E27FC236}">
-                <a16:creationId xmlns:a16="http://schemas.microsoft.com/office/drawing/2014/main" id="{00F41FCF-2545-4B44-B251-A3CDE658AB54}"/>
+                <a16:creationId xmlns:a16="http://schemas.microsoft.com/office/drawing/2014/main" id="{EC9310A0-7903-4513-8EB2-BDEAF7838F8F}"/>
               </a:ext>
             </a:extLst>
           </p:cNvPr>
-          <p:cNvSpPr txBox="1"/>
+          <p:cNvPicPr>
+            <a:picLocks noChangeAspect="1" noChangeArrowheads="1"/>
+          </p:cNvPicPr>
           <p:nvPr/>
-        </p:nvSpPr>
-        <p:spPr>
-          <a:xfrm>
-            <a:off x="1089890" y="1854201"/>
-            <a:ext cx="3980874" cy="914400"/>
+        </p:nvPicPr>
+        <p:blipFill>
+          <a:blip r:embed="rId2">
+            <a:extLst>
+              <a:ext uri="{28A0092B-C50C-407E-A947-70E740481C1C}">
+                <a14:useLocalDpi xmlns:a14="http://schemas.microsoft.com/office/drawing/2010/main" val="0"/>
+              </a:ext>
+            </a:extLst>
+          </a:blip>
+          <a:srcRect/>
+          <a:stretch>
+            <a:fillRect/>
+          </a:stretch>
+        </p:blipFill>
+        <p:spPr bwMode="auto">
+          <a:xfrm>
+            <a:off x="2170113" y="1466850"/>
+            <a:ext cx="7848600" cy="3924300"/>
           </a:xfrm>
           <a:prstGeom prst="rect">
             <a:avLst/>
           </a:prstGeom>
           <a:noFill/>
-        </p:spPr>
-        <p:txBody>
-          <a:bodyPr wrap="none" lIns="0" tIns="0" rIns="0" bIns="0" rtlCol="0">
-            <a:noAutofit/>
-          </a:bodyPr>
-          <a:lstStyle/>
-          <a:p>
-            <a:pPr marL="285750" indent="-285750">
-              <a:lnSpc>
-                <a:spcPct val="90000"/>
-              </a:lnSpc>
-              <a:buFont typeface="Arial" panose="020B0604020202020204" pitchFamily="34" charset="0"/>
-              <a:buChar char="•"/>
-            </a:pPr>
-            <a:r>
-              <a:rPr lang="it-IT" sz="3200" dirty="0"/>
-              <a:t>DATI STRUTTURATI</a:t>
-            </a:r>
-          </a:p>
-          <a:p>
-            <a:pPr marL="742950" lvl="1" indent="-285750">
-              <a:lnSpc>
-                <a:spcPct val="90000"/>
-              </a:lnSpc>
-              <a:buFont typeface="Arial" panose="020B0604020202020204" pitchFamily="34" charset="0"/>
-              <a:buChar char="•"/>
-            </a:pPr>
-            <a:r>
-              <a:rPr lang="it-IT" sz="3200" dirty="0">
+          <a:extLst>
+            <a:ext uri="{909E8E84-426E-40DD-AFC4-6F175D3DCCD1}">
+              <a14:hiddenFill xmlns:a14="http://schemas.microsoft.com/office/drawing/2010/main">
                 <a:solidFill>
-                  <a:schemeClr val="accent1"/>
+                  <a:srgbClr val="FFFFFF"/>
                 </a:solidFill>
-              </a:rPr>
-              <a:t>RELAZIONALI</a:t>
-            </a:r>
-          </a:p>
-        </p:txBody>
-      </p:sp>
-      <p:sp>
-        <p:nvSpPr>
-          <p:cNvPr id="5" name="CasellaDiTesto 4">
-            <a:extLst>
-              <a:ext uri="{FF2B5EF4-FFF2-40B4-BE49-F238E27FC236}">
-                <a16:creationId xmlns:a16="http://schemas.microsoft.com/office/drawing/2014/main" id="{902E6B49-2218-4140-9D3E-8E63654031F5}"/>
-              </a:ext>
-            </a:extLst>
-          </p:cNvPr>
-          <p:cNvSpPr txBox="1"/>
-          <p:nvPr/>
-        </p:nvSpPr>
-        <p:spPr>
-          <a:xfrm>
-            <a:off x="6622471" y="1854201"/>
-            <a:ext cx="4378038" cy="1574799"/>
-          </a:xfrm>
-          <a:prstGeom prst="rect">
-            <a:avLst/>
-          </a:prstGeom>
-          <a:noFill/>
-        </p:spPr>
-        <p:txBody>
-          <a:bodyPr wrap="none" lIns="0" tIns="0" rIns="0" bIns="0" rtlCol="0">
-            <a:noAutofit/>
-          </a:bodyPr>
-          <a:lstStyle/>
-          <a:p>
-            <a:pPr marL="285750" indent="-285750">
-              <a:lnSpc>
-                <a:spcPct val="90000"/>
-              </a:lnSpc>
-              <a:buFont typeface="Arial" panose="020B0604020202020204" pitchFamily="34" charset="0"/>
-              <a:buChar char="•"/>
-            </a:pPr>
-            <a:r>
-              <a:rPr lang="it-IT" sz="3200" dirty="0"/>
-              <a:t>DATI SEMI STRUTTURATI</a:t>
-            </a:r>
-          </a:p>
-          <a:p>
-            <a:pPr marL="742950" lvl="1" indent="-285750">
-              <a:lnSpc>
-                <a:spcPct val="90000"/>
-              </a:lnSpc>
-              <a:buFont typeface="Arial" panose="020B0604020202020204" pitchFamily="34" charset="0"/>
-              <a:buChar char="•"/>
-            </a:pPr>
-            <a:r>
-              <a:rPr lang="it-IT" sz="3200" dirty="0">
-                <a:solidFill>
-                  <a:schemeClr val="accent1"/>
-                </a:solidFill>
-              </a:rPr>
-              <a:t>XML</a:t>
-            </a:r>
-          </a:p>
-          <a:p>
-            <a:pPr marL="742950" lvl="1" indent="-285750">
-              <a:lnSpc>
-                <a:spcPct val="90000"/>
-              </a:lnSpc>
-              <a:buFont typeface="Arial" panose="020B0604020202020204" pitchFamily="34" charset="0"/>
-              <a:buChar char="•"/>
-            </a:pPr>
-            <a:r>
-              <a:rPr lang="it-IT" sz="3200" dirty="0">
-                <a:solidFill>
-                  <a:schemeClr val="accent1"/>
-                </a:solidFill>
-              </a:rPr>
-              <a:t>JSON</a:t>
-            </a:r>
-          </a:p>
-        </p:txBody>
-      </p:sp>
-      <p:sp>
-        <p:nvSpPr>
-          <p:cNvPr id="6" name="CasellaDiTesto 5">
-            <a:extLst>
-              <a:ext uri="{FF2B5EF4-FFF2-40B4-BE49-F238E27FC236}">
-                <a16:creationId xmlns:a16="http://schemas.microsoft.com/office/drawing/2014/main" id="{A4281905-DA33-4741-A80E-DAAE337A973D}"/>
-              </a:ext>
-            </a:extLst>
-          </p:cNvPr>
-          <p:cNvSpPr txBox="1"/>
-          <p:nvPr/>
-        </p:nvSpPr>
-        <p:spPr>
-          <a:xfrm>
-            <a:off x="1048325" y="4592784"/>
-            <a:ext cx="5574146" cy="598052"/>
-          </a:xfrm>
-          <a:prstGeom prst="rect">
-            <a:avLst/>
-          </a:prstGeom>
-          <a:noFill/>
-        </p:spPr>
-        <p:txBody>
-          <a:bodyPr wrap="none" lIns="0" tIns="0" rIns="0" bIns="0" rtlCol="0">
-            <a:noAutofit/>
-          </a:bodyPr>
-          <a:lstStyle/>
-          <a:p>
-            <a:pPr marL="285750" indent="-285750">
-              <a:lnSpc>
-                <a:spcPct val="90000"/>
-              </a:lnSpc>
-              <a:buFont typeface="Arial" panose="020B0604020202020204" pitchFamily="34" charset="0"/>
-              <a:buChar char="•"/>
-            </a:pPr>
-            <a:r>
-              <a:rPr lang="it-IT" sz="3200" dirty="0"/>
-              <a:t>ALTRI DATI NON STRUTTURATI</a:t>
-            </a:r>
-          </a:p>
-        </p:txBody>
-      </p:sp>
+              </a14:hiddenFill>
+            </a:ext>
+          </a:extLst>
+        </p:spPr>
+      </p:pic>
     </p:spTree>
     <p:extLst>
       <p:ext uri="{BB962C8B-B14F-4D97-AF65-F5344CB8AC3E}">
-        <p14:creationId xmlns:p14="http://schemas.microsoft.com/office/powerpoint/2010/main" val="3591470921"/>
+        <p14:creationId xmlns:p14="http://schemas.microsoft.com/office/powerpoint/2010/main" val="762562722"/>
       </p:ext>
     </p:extLst>
   </p:cSld>
@@ -19229,7 +19221,7 @@
           <p:cNvPr id="2" name="Titolo 1">
             <a:extLst>
               <a:ext uri="{FF2B5EF4-FFF2-40B4-BE49-F238E27FC236}">
-                <a16:creationId xmlns:a16="http://schemas.microsoft.com/office/drawing/2014/main" id="{C971D46D-A707-4821-A0C2-37696E0EFB40}"/>
+                <a16:creationId xmlns:a16="http://schemas.microsoft.com/office/drawing/2014/main" id="{7C0B34A2-5AA5-4780-A8E1-6463893AEEB6}"/>
               </a:ext>
             </a:extLst>
           </p:cNvPr>
@@ -19242,8 +19234,8 @@
         </p:nvSpPr>
         <p:spPr>
           <a:xfrm>
-            <a:off x="3350513" y="396339"/>
-            <a:ext cx="4883727" cy="617057"/>
+            <a:off x="2360612" y="258617"/>
+            <a:ext cx="7848600" cy="889000"/>
           </a:xfrm>
         </p:spPr>
         <p:txBody>
@@ -19252,47 +19244,17 @@
           <a:p>
             <a:r>
               <a:rPr lang="it-IT" dirty="0"/>
-              <a:t>Modello Dati Relazionale</a:t>
-            </a:r>
-          </a:p>
-        </p:txBody>
-      </p:sp>
-      <p:pic>
-        <p:nvPicPr>
-          <p:cNvPr id="7" name="Immagine 6">
+              <a:t>DATI STRUTTURATI e NON STRUTTURATI</a:t>
+            </a:r>
+          </a:p>
+        </p:txBody>
+      </p:sp>
+      <p:sp>
+        <p:nvSpPr>
+          <p:cNvPr id="3" name="CasellaDiTesto 2">
             <a:extLst>
               <a:ext uri="{FF2B5EF4-FFF2-40B4-BE49-F238E27FC236}">
-                <a16:creationId xmlns:a16="http://schemas.microsoft.com/office/drawing/2014/main" id="{6F157B35-7146-43DE-951A-655B5AD43539}"/>
-              </a:ext>
-            </a:extLst>
-          </p:cNvPr>
-          <p:cNvPicPr>
-            <a:picLocks noChangeAspect="1"/>
-          </p:cNvPicPr>
-          <p:nvPr/>
-        </p:nvPicPr>
-        <p:blipFill>
-          <a:blip r:embed="rId2"/>
-          <a:stretch>
-            <a:fillRect/>
-          </a:stretch>
-        </p:blipFill>
-        <p:spPr>
-          <a:xfrm>
-            <a:off x="1530205" y="3098621"/>
-            <a:ext cx="8354591" cy="2476846"/>
-          </a:xfrm>
-          <a:prstGeom prst="rect">
-            <a:avLst/>
-          </a:prstGeom>
-        </p:spPr>
-      </p:pic>
-      <p:sp>
-        <p:nvSpPr>
-          <p:cNvPr id="8" name="CasellaDiTesto 7">
-            <a:extLst>
-              <a:ext uri="{FF2B5EF4-FFF2-40B4-BE49-F238E27FC236}">
-                <a16:creationId xmlns:a16="http://schemas.microsoft.com/office/drawing/2014/main" id="{112F1FA9-F4E6-41AC-BE7E-A0A77C48904E}"/>
+                <a16:creationId xmlns:a16="http://schemas.microsoft.com/office/drawing/2014/main" id="{00F41FCF-2545-4B44-B251-A3CDE658AB54}"/>
               </a:ext>
             </a:extLst>
           </p:cNvPr>
@@ -19301,8 +19263,8 @@
         </p:nvSpPr>
         <p:spPr>
           <a:xfrm>
-            <a:off x="824408" y="1392245"/>
-            <a:ext cx="2921721" cy="1630220"/>
+            <a:off x="1089890" y="1854201"/>
+            <a:ext cx="3980874" cy="914400"/>
           </a:xfrm>
           <a:prstGeom prst="rect">
             <a:avLst/>
@@ -19323,10 +19285,56 @@
               <a:buChar char="•"/>
             </a:pPr>
             <a:r>
-              <a:rPr lang="it-IT" sz="2800" dirty="0"/>
-              <a:t>RELAZIONE</a:t>
-            </a:r>
-          </a:p>
+              <a:rPr lang="it-IT" sz="3200" dirty="0"/>
+              <a:t>DATI STRUTTURATI</a:t>
+            </a:r>
+          </a:p>
+          <a:p>
+            <a:pPr marL="742950" lvl="1" indent="-285750">
+              <a:lnSpc>
+                <a:spcPct val="90000"/>
+              </a:lnSpc>
+              <a:buFont typeface="Arial" panose="020B0604020202020204" pitchFamily="34" charset="0"/>
+              <a:buChar char="•"/>
+            </a:pPr>
+            <a:r>
+              <a:rPr lang="it-IT" sz="3200" dirty="0">
+                <a:solidFill>
+                  <a:schemeClr val="accent1"/>
+                </a:solidFill>
+              </a:rPr>
+              <a:t>RELAZIONALI</a:t>
+            </a:r>
+          </a:p>
+        </p:txBody>
+      </p:sp>
+      <p:sp>
+        <p:nvSpPr>
+          <p:cNvPr id="5" name="CasellaDiTesto 4">
+            <a:extLst>
+              <a:ext uri="{FF2B5EF4-FFF2-40B4-BE49-F238E27FC236}">
+                <a16:creationId xmlns:a16="http://schemas.microsoft.com/office/drawing/2014/main" id="{902E6B49-2218-4140-9D3E-8E63654031F5}"/>
+              </a:ext>
+            </a:extLst>
+          </p:cNvPr>
+          <p:cNvSpPr txBox="1"/>
+          <p:nvPr/>
+        </p:nvSpPr>
+        <p:spPr>
+          <a:xfrm>
+            <a:off x="6622471" y="1854201"/>
+            <a:ext cx="4378038" cy="1574799"/>
+          </a:xfrm>
+          <a:prstGeom prst="rect">
+            <a:avLst/>
+          </a:prstGeom>
+          <a:noFill/>
+        </p:spPr>
+        <p:txBody>
+          <a:bodyPr wrap="none" lIns="0" tIns="0" rIns="0" bIns="0" rtlCol="0">
+            <a:noAutofit/>
+          </a:bodyPr>
+          <a:lstStyle/>
           <a:p>
             <a:pPr marL="285750" indent="-285750">
               <a:lnSpc>
@@ -19336,10 +19344,73 @@
               <a:buChar char="•"/>
             </a:pPr>
             <a:r>
-              <a:rPr lang="it-IT" sz="2800" dirty="0"/>
-              <a:t>ATTRIBUTO</a:t>
-            </a:r>
-          </a:p>
+              <a:rPr lang="it-IT" sz="3200" dirty="0"/>
+              <a:t>DATI SEMI STRUTTURATI</a:t>
+            </a:r>
+          </a:p>
+          <a:p>
+            <a:pPr marL="742950" lvl="1" indent="-285750">
+              <a:lnSpc>
+                <a:spcPct val="90000"/>
+              </a:lnSpc>
+              <a:buFont typeface="Arial" panose="020B0604020202020204" pitchFamily="34" charset="0"/>
+              <a:buChar char="•"/>
+            </a:pPr>
+            <a:r>
+              <a:rPr lang="it-IT" sz="3200" dirty="0">
+                <a:solidFill>
+                  <a:schemeClr val="accent1"/>
+                </a:solidFill>
+              </a:rPr>
+              <a:t>XML</a:t>
+            </a:r>
+          </a:p>
+          <a:p>
+            <a:pPr marL="742950" lvl="1" indent="-285750">
+              <a:lnSpc>
+                <a:spcPct val="90000"/>
+              </a:lnSpc>
+              <a:buFont typeface="Arial" panose="020B0604020202020204" pitchFamily="34" charset="0"/>
+              <a:buChar char="•"/>
+            </a:pPr>
+            <a:r>
+              <a:rPr lang="it-IT" sz="3200" dirty="0">
+                <a:solidFill>
+                  <a:schemeClr val="accent1"/>
+                </a:solidFill>
+              </a:rPr>
+              <a:t>JSON</a:t>
+            </a:r>
+          </a:p>
+        </p:txBody>
+      </p:sp>
+      <p:sp>
+        <p:nvSpPr>
+          <p:cNvPr id="6" name="CasellaDiTesto 5">
+            <a:extLst>
+              <a:ext uri="{FF2B5EF4-FFF2-40B4-BE49-F238E27FC236}">
+                <a16:creationId xmlns:a16="http://schemas.microsoft.com/office/drawing/2014/main" id="{A4281905-DA33-4741-A80E-DAAE337A973D}"/>
+              </a:ext>
+            </a:extLst>
+          </p:cNvPr>
+          <p:cNvSpPr txBox="1"/>
+          <p:nvPr/>
+        </p:nvSpPr>
+        <p:spPr>
+          <a:xfrm>
+            <a:off x="1048325" y="4592784"/>
+            <a:ext cx="5574146" cy="598052"/>
+          </a:xfrm>
+          <a:prstGeom prst="rect">
+            <a:avLst/>
+          </a:prstGeom>
+          <a:noFill/>
+        </p:spPr>
+        <p:txBody>
+          <a:bodyPr wrap="none" lIns="0" tIns="0" rIns="0" bIns="0" rtlCol="0">
+            <a:noAutofit/>
+          </a:bodyPr>
+          <a:lstStyle/>
           <a:p>
             <a:pPr marL="285750" indent="-285750">
               <a:lnSpc>
@@ -19349,415 +19420,8 @@
               <a:buChar char="•"/>
             </a:pPr>
             <a:r>
-              <a:rPr lang="it-IT" sz="2800" dirty="0"/>
-              <a:t>TUPLA</a:t>
-            </a:r>
-          </a:p>
-          <a:p>
-            <a:pPr marL="285750" indent="-285750">
-              <a:lnSpc>
-                <a:spcPct val="90000"/>
-              </a:lnSpc>
-              <a:buFont typeface="Arial" panose="020B0604020202020204" pitchFamily="34" charset="0"/>
-              <a:buChar char="•"/>
-            </a:pPr>
-            <a:r>
-              <a:rPr lang="it-IT" sz="2800" dirty="0"/>
-              <a:t>DOMINIO</a:t>
-            </a:r>
-          </a:p>
-        </p:txBody>
-      </p:sp>
-      <p:sp>
-        <p:nvSpPr>
-          <p:cNvPr id="10" name="CasellaDiTesto 9">
-            <a:extLst>
-              <a:ext uri="{FF2B5EF4-FFF2-40B4-BE49-F238E27FC236}">
-                <a16:creationId xmlns:a16="http://schemas.microsoft.com/office/drawing/2014/main" id="{04F05864-548C-4CB6-A32A-E9808EC46F09}"/>
-              </a:ext>
-            </a:extLst>
-          </p:cNvPr>
-          <p:cNvSpPr txBox="1"/>
-          <p:nvPr/>
-        </p:nvSpPr>
-        <p:spPr>
-          <a:xfrm>
-            <a:off x="5031774" y="1392245"/>
-            <a:ext cx="6503087" cy="1630220"/>
-          </a:xfrm>
-          <a:prstGeom prst="rect">
-            <a:avLst/>
-          </a:prstGeom>
-          <a:noFill/>
-        </p:spPr>
-        <p:txBody>
-          <a:bodyPr wrap="none" lIns="0" tIns="0" rIns="0" bIns="0" rtlCol="0">
-            <a:noAutofit/>
-          </a:bodyPr>
-          <a:lstStyle/>
-          <a:p>
-            <a:pPr marL="285750" indent="-285750">
-              <a:lnSpc>
-                <a:spcPct val="90000"/>
-              </a:lnSpc>
-              <a:buFont typeface="Arial" panose="020B0604020202020204" pitchFamily="34" charset="0"/>
-              <a:buChar char="•"/>
-            </a:pPr>
-            <a:r>
-              <a:rPr lang="it-IT" sz="2800" dirty="0"/>
-              <a:t>TABELLA o </a:t>
-            </a:r>
-            <a:r>
-              <a:rPr lang="it-IT" sz="2800" dirty="0">
-                <a:solidFill>
-                  <a:schemeClr val="accent1"/>
-                </a:solidFill>
-              </a:rPr>
-              <a:t>INSIEME DI ENTITA’*</a:t>
-            </a:r>
-          </a:p>
-          <a:p>
-            <a:pPr marL="285750" indent="-285750">
-              <a:lnSpc>
-                <a:spcPct val="90000"/>
-              </a:lnSpc>
-              <a:buFont typeface="Arial" panose="020B0604020202020204" pitchFamily="34" charset="0"/>
-              <a:buChar char="•"/>
-            </a:pPr>
-            <a:r>
-              <a:rPr lang="it-IT" sz="2800" dirty="0"/>
-              <a:t>CAMPO o COLONNA</a:t>
-            </a:r>
-          </a:p>
-          <a:p>
-            <a:pPr marL="285750" indent="-285750">
-              <a:lnSpc>
-                <a:spcPct val="90000"/>
-              </a:lnSpc>
-              <a:buFont typeface="Arial" panose="020B0604020202020204" pitchFamily="34" charset="0"/>
-              <a:buChar char="•"/>
-            </a:pPr>
-            <a:r>
-              <a:rPr lang="it-IT" sz="2800" dirty="0"/>
-              <a:t>RECORD o RIGA o </a:t>
-            </a:r>
-            <a:r>
-              <a:rPr lang="it-IT" sz="2800" dirty="0">
-                <a:solidFill>
-                  <a:schemeClr val="accent1"/>
-                </a:solidFill>
-              </a:rPr>
-              <a:t>SINGOLA ENTITA’*</a:t>
-            </a:r>
-          </a:p>
-          <a:p>
-            <a:pPr marL="285750" indent="-285750">
-              <a:lnSpc>
-                <a:spcPct val="90000"/>
-              </a:lnSpc>
-              <a:buFont typeface="Arial" panose="020B0604020202020204" pitchFamily="34" charset="0"/>
-              <a:buChar char="•"/>
-            </a:pPr>
-            <a:r>
-              <a:rPr lang="it-IT" sz="2800" dirty="0"/>
-              <a:t>VALORI PERMESSI</a:t>
-            </a:r>
-            <a:endParaRPr lang="it-IT" sz="2800" dirty="0">
-              <a:solidFill>
-                <a:srgbClr val="00B0F0"/>
-              </a:solidFill>
-            </a:endParaRPr>
-          </a:p>
-        </p:txBody>
-      </p:sp>
-      <p:sp>
-        <p:nvSpPr>
-          <p:cNvPr id="12" name="Freccia bidirezionale orizzontale 11">
-            <a:extLst>
-              <a:ext uri="{FF2B5EF4-FFF2-40B4-BE49-F238E27FC236}">
-                <a16:creationId xmlns:a16="http://schemas.microsoft.com/office/drawing/2014/main" id="{50235597-6F82-465E-B5AC-8EE0E5438077}"/>
-              </a:ext>
-            </a:extLst>
-          </p:cNvPr>
-          <p:cNvSpPr/>
-          <p:nvPr/>
-        </p:nvSpPr>
-        <p:spPr>
-          <a:xfrm>
-            <a:off x="3050573" y="1485179"/>
-            <a:ext cx="1819979" cy="221854"/>
-          </a:xfrm>
-          <a:prstGeom prst="leftRightArrow">
-            <a:avLst/>
-          </a:prstGeom>
-          <a:solidFill>
-            <a:schemeClr val="accent5"/>
-          </a:solidFill>
-          <a:ln w="19050">
-            <a:noFill/>
-            <a:miter lim="800000"/>
-          </a:ln>
-        </p:spPr>
-        <p:style>
-          <a:lnRef idx="2">
-            <a:schemeClr val="accent1">
-              <a:shade val="50000"/>
-            </a:schemeClr>
-          </a:lnRef>
-          <a:fillRef idx="1">
-            <a:schemeClr val="accent1"/>
-          </a:fillRef>
-          <a:effectRef idx="0">
-            <a:schemeClr val="accent1"/>
-          </a:effectRef>
-          <a:fontRef idx="minor">
-            <a:schemeClr val="lt1"/>
-          </a:fontRef>
-        </p:style>
-        <p:txBody>
-          <a:bodyPr rot="0" spcFirstLastPara="0" vertOverflow="overflow" horzOverflow="overflow" vert="horz" wrap="square" lIns="91440" tIns="45720" rIns="91440" bIns="45720" numCol="1" spcCol="0" rtlCol="0" fromWordArt="0" anchor="ctr" anchorCtr="0" forceAA="0" compatLnSpc="1">
-            <a:prstTxWarp prst="textNoShape">
-              <a:avLst/>
-            </a:prstTxWarp>
-            <a:noAutofit/>
-          </a:bodyPr>
-          <a:lstStyle/>
-          <a:p>
-            <a:pPr algn="ctr">
-              <a:lnSpc>
-                <a:spcPct val="90000"/>
-              </a:lnSpc>
-            </a:pPr>
-            <a:endParaRPr lang="it-IT"/>
-          </a:p>
-        </p:txBody>
-      </p:sp>
-      <p:sp>
-        <p:nvSpPr>
-          <p:cNvPr id="13" name="Freccia bidirezionale orizzontale 12">
-            <a:extLst>
-              <a:ext uri="{FF2B5EF4-FFF2-40B4-BE49-F238E27FC236}">
-                <a16:creationId xmlns:a16="http://schemas.microsoft.com/office/drawing/2014/main" id="{25204483-D350-4C7A-B120-500B232216FB}"/>
-              </a:ext>
-            </a:extLst>
-          </p:cNvPr>
-          <p:cNvSpPr/>
-          <p:nvPr/>
-        </p:nvSpPr>
-        <p:spPr>
-          <a:xfrm>
-            <a:off x="3050572" y="1845284"/>
-            <a:ext cx="1819979" cy="221854"/>
-          </a:xfrm>
-          <a:prstGeom prst="leftRightArrow">
-            <a:avLst/>
-          </a:prstGeom>
-          <a:solidFill>
-            <a:schemeClr val="accent5"/>
-          </a:solidFill>
-          <a:ln w="19050">
-            <a:noFill/>
-            <a:miter lim="800000"/>
-          </a:ln>
-        </p:spPr>
-        <p:style>
-          <a:lnRef idx="2">
-            <a:schemeClr val="accent1">
-              <a:shade val="50000"/>
-            </a:schemeClr>
-          </a:lnRef>
-          <a:fillRef idx="1">
-            <a:schemeClr val="accent1"/>
-          </a:fillRef>
-          <a:effectRef idx="0">
-            <a:schemeClr val="accent1"/>
-          </a:effectRef>
-          <a:fontRef idx="minor">
-            <a:schemeClr val="lt1"/>
-          </a:fontRef>
-        </p:style>
-        <p:txBody>
-          <a:bodyPr rot="0" spcFirstLastPara="0" vertOverflow="overflow" horzOverflow="overflow" vert="horz" wrap="square" lIns="91440" tIns="45720" rIns="91440" bIns="45720" numCol="1" spcCol="0" rtlCol="0" fromWordArt="0" anchor="ctr" anchorCtr="0" forceAA="0" compatLnSpc="1">
-            <a:prstTxWarp prst="textNoShape">
-              <a:avLst/>
-            </a:prstTxWarp>
-            <a:noAutofit/>
-          </a:bodyPr>
-          <a:lstStyle/>
-          <a:p>
-            <a:pPr algn="ctr">
-              <a:lnSpc>
-                <a:spcPct val="90000"/>
-              </a:lnSpc>
-            </a:pPr>
-            <a:endParaRPr lang="it-IT" dirty="0"/>
-          </a:p>
-        </p:txBody>
-      </p:sp>
-      <p:sp>
-        <p:nvSpPr>
-          <p:cNvPr id="14" name="Freccia bidirezionale orizzontale 13">
-            <a:extLst>
-              <a:ext uri="{FF2B5EF4-FFF2-40B4-BE49-F238E27FC236}">
-                <a16:creationId xmlns:a16="http://schemas.microsoft.com/office/drawing/2014/main" id="{1FFD9E3D-3EF3-4053-BCBA-BDB87A7EE14A}"/>
-              </a:ext>
-            </a:extLst>
-          </p:cNvPr>
-          <p:cNvSpPr/>
-          <p:nvPr/>
-        </p:nvSpPr>
-        <p:spPr>
-          <a:xfrm>
-            <a:off x="3038434" y="2237044"/>
-            <a:ext cx="1819979" cy="221854"/>
-          </a:xfrm>
-          <a:prstGeom prst="leftRightArrow">
-            <a:avLst/>
-          </a:prstGeom>
-          <a:solidFill>
-            <a:schemeClr val="accent5"/>
-          </a:solidFill>
-          <a:ln w="19050">
-            <a:noFill/>
-            <a:miter lim="800000"/>
-          </a:ln>
-        </p:spPr>
-        <p:style>
-          <a:lnRef idx="2">
-            <a:schemeClr val="accent1">
-              <a:shade val="50000"/>
-            </a:schemeClr>
-          </a:lnRef>
-          <a:fillRef idx="1">
-            <a:schemeClr val="accent1"/>
-          </a:fillRef>
-          <a:effectRef idx="0">
-            <a:schemeClr val="accent1"/>
-          </a:effectRef>
-          <a:fontRef idx="minor">
-            <a:schemeClr val="lt1"/>
-          </a:fontRef>
-        </p:style>
-        <p:txBody>
-          <a:bodyPr rot="0" spcFirstLastPara="0" vertOverflow="overflow" horzOverflow="overflow" vert="horz" wrap="square" lIns="91440" tIns="45720" rIns="91440" bIns="45720" numCol="1" spcCol="0" rtlCol="0" fromWordArt="0" anchor="ctr" anchorCtr="0" forceAA="0" compatLnSpc="1">
-            <a:prstTxWarp prst="textNoShape">
-              <a:avLst/>
-            </a:prstTxWarp>
-            <a:noAutofit/>
-          </a:bodyPr>
-          <a:lstStyle/>
-          <a:p>
-            <a:pPr algn="ctr">
-              <a:lnSpc>
-                <a:spcPct val="90000"/>
-              </a:lnSpc>
-            </a:pPr>
-            <a:endParaRPr lang="it-IT"/>
-          </a:p>
-        </p:txBody>
-      </p:sp>
-      <p:sp>
-        <p:nvSpPr>
-          <p:cNvPr id="15" name="Freccia bidirezionale orizzontale 14">
-            <a:extLst>
-              <a:ext uri="{FF2B5EF4-FFF2-40B4-BE49-F238E27FC236}">
-                <a16:creationId xmlns:a16="http://schemas.microsoft.com/office/drawing/2014/main" id="{F67EA551-D4B4-497B-907D-F6BF1C40282B}"/>
-              </a:ext>
-            </a:extLst>
-          </p:cNvPr>
-          <p:cNvSpPr/>
-          <p:nvPr/>
-        </p:nvSpPr>
-        <p:spPr>
-          <a:xfrm>
-            <a:off x="3025686" y="2619820"/>
-            <a:ext cx="1819979" cy="221854"/>
-          </a:xfrm>
-          <a:prstGeom prst="leftRightArrow">
-            <a:avLst/>
-          </a:prstGeom>
-          <a:solidFill>
-            <a:schemeClr val="accent5"/>
-          </a:solidFill>
-          <a:ln w="19050">
-            <a:noFill/>
-            <a:miter lim="800000"/>
-          </a:ln>
-        </p:spPr>
-        <p:style>
-          <a:lnRef idx="2">
-            <a:schemeClr val="accent1">
-              <a:shade val="50000"/>
-            </a:schemeClr>
-          </a:lnRef>
-          <a:fillRef idx="1">
-            <a:schemeClr val="accent1"/>
-          </a:fillRef>
-          <a:effectRef idx="0">
-            <a:schemeClr val="accent1"/>
-          </a:effectRef>
-          <a:fontRef idx="minor">
-            <a:schemeClr val="lt1"/>
-          </a:fontRef>
-        </p:style>
-        <p:txBody>
-          <a:bodyPr rot="0" spcFirstLastPara="0" vertOverflow="overflow" horzOverflow="overflow" vert="horz" wrap="square" lIns="91440" tIns="45720" rIns="91440" bIns="45720" numCol="1" spcCol="0" rtlCol="0" fromWordArt="0" anchor="ctr" anchorCtr="0" forceAA="0" compatLnSpc="1">
-            <a:prstTxWarp prst="textNoShape">
-              <a:avLst/>
-            </a:prstTxWarp>
-            <a:noAutofit/>
-          </a:bodyPr>
-          <a:lstStyle/>
-          <a:p>
-            <a:pPr algn="ctr">
-              <a:lnSpc>
-                <a:spcPct val="90000"/>
-              </a:lnSpc>
-            </a:pPr>
-            <a:endParaRPr lang="it-IT"/>
-          </a:p>
-        </p:txBody>
-      </p:sp>
-      <p:sp>
-        <p:nvSpPr>
-          <p:cNvPr id="3" name="CasellaDiTesto 2">
-            <a:extLst>
-              <a:ext uri="{FF2B5EF4-FFF2-40B4-BE49-F238E27FC236}">
-                <a16:creationId xmlns:a16="http://schemas.microsoft.com/office/drawing/2014/main" id="{88AC5728-1DF4-43C7-A797-42C083D1A45B}"/>
-              </a:ext>
-            </a:extLst>
-          </p:cNvPr>
-          <p:cNvSpPr txBox="1"/>
-          <p:nvPr/>
-        </p:nvSpPr>
-        <p:spPr>
-          <a:xfrm>
-            <a:off x="998290" y="5742884"/>
-            <a:ext cx="10024844" cy="355912"/>
-          </a:xfrm>
-          <a:prstGeom prst="rect">
-            <a:avLst/>
-          </a:prstGeom>
-          <a:noFill/>
-        </p:spPr>
-        <p:txBody>
-          <a:bodyPr wrap="none" lIns="0" tIns="0" rIns="0" bIns="0" rtlCol="0">
-            <a:noAutofit/>
-          </a:bodyPr>
-          <a:lstStyle/>
-          <a:p>
-            <a:pPr>
-              <a:lnSpc>
-                <a:spcPct val="90000"/>
-              </a:lnSpc>
-            </a:pPr>
-            <a:r>
-              <a:rPr lang="it-IT" sz="1600" dirty="0">
-                <a:solidFill>
-                  <a:schemeClr val="accent1"/>
-                </a:solidFill>
-              </a:rPr>
-              <a:t>* Spesso sia l’Insieme di Entità che la singola Entità vengono chiamate solo Entità e la differenza la si capisce dal contesto</a:t>
+              <a:rPr lang="it-IT" sz="3200" dirty="0"/>
+              <a:t>ALTRI DATI NON STRUTTURATI</a:t>
             </a:r>
           </a:p>
         </p:txBody>
@@ -19765,7 +19429,7 @@
     </p:spTree>
     <p:extLst>
       <p:ext uri="{BB962C8B-B14F-4D97-AF65-F5344CB8AC3E}">
-        <p14:creationId xmlns:p14="http://schemas.microsoft.com/office/powerpoint/2010/main" val="483224778"/>
+        <p14:creationId xmlns:p14="http://schemas.microsoft.com/office/powerpoint/2010/main" val="3591470921"/>
       </p:ext>
     </p:extLst>
   </p:cSld>
@@ -19837,12 +19501,42 @@
           </a:p>
         </p:txBody>
       </p:sp>
-      <p:sp>
-        <p:nvSpPr>
-          <p:cNvPr id="17" name="CasellaDiTesto 16">
+      <p:pic>
+        <p:nvPicPr>
+          <p:cNvPr id="7" name="Immagine 6">
             <a:extLst>
               <a:ext uri="{FF2B5EF4-FFF2-40B4-BE49-F238E27FC236}">
-                <a16:creationId xmlns:a16="http://schemas.microsoft.com/office/drawing/2014/main" id="{FEBBBCFF-FA09-4D8D-A272-C953F87D5361}"/>
+                <a16:creationId xmlns:a16="http://schemas.microsoft.com/office/drawing/2014/main" id="{6F157B35-7146-43DE-951A-655B5AD43539}"/>
+              </a:ext>
+            </a:extLst>
+          </p:cNvPr>
+          <p:cNvPicPr>
+            <a:picLocks noChangeAspect="1"/>
+          </p:cNvPicPr>
+          <p:nvPr/>
+        </p:nvPicPr>
+        <p:blipFill>
+          <a:blip r:embed="rId2"/>
+          <a:stretch>
+            <a:fillRect/>
+          </a:stretch>
+        </p:blipFill>
+        <p:spPr>
+          <a:xfrm>
+            <a:off x="1530205" y="3098621"/>
+            <a:ext cx="8354591" cy="2476846"/>
+          </a:xfrm>
+          <a:prstGeom prst="rect">
+            <a:avLst/>
+          </a:prstGeom>
+        </p:spPr>
+      </p:pic>
+      <p:sp>
+        <p:nvSpPr>
+          <p:cNvPr id="8" name="CasellaDiTesto 7">
+            <a:extLst>
+              <a:ext uri="{FF2B5EF4-FFF2-40B4-BE49-F238E27FC236}">
+                <a16:creationId xmlns:a16="http://schemas.microsoft.com/office/drawing/2014/main" id="{112F1FA9-F4E6-41AC-BE7E-A0A77C48904E}"/>
               </a:ext>
             </a:extLst>
           </p:cNvPr>
@@ -19851,8 +19545,8 @@
         </p:nvSpPr>
         <p:spPr>
           <a:xfrm>
-            <a:off x="1383961" y="1837188"/>
-            <a:ext cx="8816830" cy="1451296"/>
+            <a:off x="824408" y="1392245"/>
+            <a:ext cx="2921721" cy="1630220"/>
           </a:xfrm>
           <a:prstGeom prst="rect">
             <a:avLst/>
@@ -19864,45 +19558,6 @@
             <a:noAutofit/>
           </a:bodyPr>
           <a:lstStyle/>
-          <a:p>
-            <a:pPr marL="457200" indent="-457200">
-              <a:lnSpc>
-                <a:spcPct val="90000"/>
-              </a:lnSpc>
-              <a:buFont typeface="+mj-lt"/>
-              <a:buAutoNum type="arabicPeriod"/>
-            </a:pPr>
-            <a:r>
-              <a:rPr lang="it-IT" sz="2400" dirty="0"/>
-              <a:t>Non ha Righe nulle</a:t>
-            </a:r>
-          </a:p>
-          <a:p>
-            <a:pPr marL="457200" indent="-457200">
-              <a:lnSpc>
-                <a:spcPct val="90000"/>
-              </a:lnSpc>
-              <a:buFont typeface="+mj-lt"/>
-              <a:buAutoNum type="arabicPeriod"/>
-            </a:pPr>
-            <a:r>
-              <a:rPr lang="it-IT" sz="2400" dirty="0"/>
-              <a:t>Non ha Righe duplicate</a:t>
-            </a:r>
-          </a:p>
-          <a:p>
-            <a:pPr marL="457200" indent="-457200">
-              <a:lnSpc>
-                <a:spcPct val="90000"/>
-              </a:lnSpc>
-              <a:buFont typeface="+mj-lt"/>
-              <a:buAutoNum type="arabicPeriod"/>
-            </a:pPr>
-            <a:r>
-              <a:rPr lang="it-IT" sz="2400" dirty="0"/>
-              <a:t>Non ha Colonne con dati NON Omogenei</a:t>
-            </a:r>
-          </a:p>
           <a:p>
             <a:pPr marL="285750" indent="-285750">
               <a:lnSpc>
@@ -19911,16 +19566,58 @@
               <a:buFont typeface="Arial" panose="020B0604020202020204" pitchFamily="34" charset="0"/>
               <a:buChar char="•"/>
             </a:pPr>
-            <a:endParaRPr lang="it-IT" dirty="0"/>
-          </a:p>
-        </p:txBody>
-      </p:sp>
-      <p:sp>
-        <p:nvSpPr>
-          <p:cNvPr id="18" name="CasellaDiTesto 17">
+            <a:r>
+              <a:rPr lang="it-IT" sz="2800" dirty="0"/>
+              <a:t>RELAZIONE</a:t>
+            </a:r>
+          </a:p>
+          <a:p>
+            <a:pPr marL="285750" indent="-285750">
+              <a:lnSpc>
+                <a:spcPct val="90000"/>
+              </a:lnSpc>
+              <a:buFont typeface="Arial" panose="020B0604020202020204" pitchFamily="34" charset="0"/>
+              <a:buChar char="•"/>
+            </a:pPr>
+            <a:r>
+              <a:rPr lang="it-IT" sz="2800" dirty="0"/>
+              <a:t>ATTRIBUTO</a:t>
+            </a:r>
+          </a:p>
+          <a:p>
+            <a:pPr marL="285750" indent="-285750">
+              <a:lnSpc>
+                <a:spcPct val="90000"/>
+              </a:lnSpc>
+              <a:buFont typeface="Arial" panose="020B0604020202020204" pitchFamily="34" charset="0"/>
+              <a:buChar char="•"/>
+            </a:pPr>
+            <a:r>
+              <a:rPr lang="it-IT" sz="2800" dirty="0"/>
+              <a:t>TUPLA</a:t>
+            </a:r>
+          </a:p>
+          <a:p>
+            <a:pPr marL="285750" indent="-285750">
+              <a:lnSpc>
+                <a:spcPct val="90000"/>
+              </a:lnSpc>
+              <a:buFont typeface="Arial" panose="020B0604020202020204" pitchFamily="34" charset="0"/>
+              <a:buChar char="•"/>
+            </a:pPr>
+            <a:r>
+              <a:rPr lang="it-IT" sz="2800" dirty="0"/>
+              <a:t>DOMINIO</a:t>
+            </a:r>
+          </a:p>
+        </p:txBody>
+      </p:sp>
+      <p:sp>
+        <p:nvSpPr>
+          <p:cNvPr id="10" name="CasellaDiTesto 9">
             <a:extLst>
               <a:ext uri="{FF2B5EF4-FFF2-40B4-BE49-F238E27FC236}">
-                <a16:creationId xmlns:a16="http://schemas.microsoft.com/office/drawing/2014/main" id="{F86D23F3-3004-470A-8FD5-892097F471F3}"/>
+                <a16:creationId xmlns:a16="http://schemas.microsoft.com/office/drawing/2014/main" id="{04F05864-548C-4CB6-A32A-E9808EC46F09}"/>
               </a:ext>
             </a:extLst>
           </p:cNvPr>
@@ -19929,8 +19626,358 @@
         </p:nvSpPr>
         <p:spPr>
           <a:xfrm>
-            <a:off x="1451295" y="1307009"/>
-            <a:ext cx="4035105" cy="318782"/>
+            <a:off x="5031774" y="1392245"/>
+            <a:ext cx="6503087" cy="1630220"/>
+          </a:xfrm>
+          <a:prstGeom prst="rect">
+            <a:avLst/>
+          </a:prstGeom>
+          <a:noFill/>
+        </p:spPr>
+        <p:txBody>
+          <a:bodyPr wrap="none" lIns="0" tIns="0" rIns="0" bIns="0" rtlCol="0">
+            <a:noAutofit/>
+          </a:bodyPr>
+          <a:lstStyle/>
+          <a:p>
+            <a:pPr marL="285750" indent="-285750">
+              <a:lnSpc>
+                <a:spcPct val="90000"/>
+              </a:lnSpc>
+              <a:buFont typeface="Arial" panose="020B0604020202020204" pitchFamily="34" charset="0"/>
+              <a:buChar char="•"/>
+            </a:pPr>
+            <a:r>
+              <a:rPr lang="it-IT" sz="2800" dirty="0"/>
+              <a:t>TABELLA o </a:t>
+            </a:r>
+            <a:r>
+              <a:rPr lang="it-IT" sz="2800" dirty="0">
+                <a:solidFill>
+                  <a:schemeClr val="accent1"/>
+                </a:solidFill>
+              </a:rPr>
+              <a:t>INSIEME DI ENTITA’*</a:t>
+            </a:r>
+          </a:p>
+          <a:p>
+            <a:pPr marL="285750" indent="-285750">
+              <a:lnSpc>
+                <a:spcPct val="90000"/>
+              </a:lnSpc>
+              <a:buFont typeface="Arial" panose="020B0604020202020204" pitchFamily="34" charset="0"/>
+              <a:buChar char="•"/>
+            </a:pPr>
+            <a:r>
+              <a:rPr lang="it-IT" sz="2800" dirty="0"/>
+              <a:t>CAMPO o COLONNA</a:t>
+            </a:r>
+          </a:p>
+          <a:p>
+            <a:pPr marL="285750" indent="-285750">
+              <a:lnSpc>
+                <a:spcPct val="90000"/>
+              </a:lnSpc>
+              <a:buFont typeface="Arial" panose="020B0604020202020204" pitchFamily="34" charset="0"/>
+              <a:buChar char="•"/>
+            </a:pPr>
+            <a:r>
+              <a:rPr lang="it-IT" sz="2800" dirty="0"/>
+              <a:t>RECORD o RIGA o </a:t>
+            </a:r>
+            <a:r>
+              <a:rPr lang="it-IT" sz="2800" dirty="0">
+                <a:solidFill>
+                  <a:schemeClr val="accent1"/>
+                </a:solidFill>
+              </a:rPr>
+              <a:t>SINGOLA ENTITA’*</a:t>
+            </a:r>
+          </a:p>
+          <a:p>
+            <a:pPr marL="285750" indent="-285750">
+              <a:lnSpc>
+                <a:spcPct val="90000"/>
+              </a:lnSpc>
+              <a:buFont typeface="Arial" panose="020B0604020202020204" pitchFamily="34" charset="0"/>
+              <a:buChar char="•"/>
+            </a:pPr>
+            <a:r>
+              <a:rPr lang="it-IT" sz="2800" dirty="0"/>
+              <a:t>VALORI PERMESSI</a:t>
+            </a:r>
+            <a:endParaRPr lang="it-IT" sz="2800" dirty="0">
+              <a:solidFill>
+                <a:srgbClr val="00B0F0"/>
+              </a:solidFill>
+            </a:endParaRPr>
+          </a:p>
+        </p:txBody>
+      </p:sp>
+      <p:sp>
+        <p:nvSpPr>
+          <p:cNvPr id="12" name="Freccia bidirezionale orizzontale 11">
+            <a:extLst>
+              <a:ext uri="{FF2B5EF4-FFF2-40B4-BE49-F238E27FC236}">
+                <a16:creationId xmlns:a16="http://schemas.microsoft.com/office/drawing/2014/main" id="{50235597-6F82-465E-B5AC-8EE0E5438077}"/>
+              </a:ext>
+            </a:extLst>
+          </p:cNvPr>
+          <p:cNvSpPr/>
+          <p:nvPr/>
+        </p:nvSpPr>
+        <p:spPr>
+          <a:xfrm>
+            <a:off x="3050573" y="1485179"/>
+            <a:ext cx="1819979" cy="221854"/>
+          </a:xfrm>
+          <a:prstGeom prst="leftRightArrow">
+            <a:avLst/>
+          </a:prstGeom>
+          <a:solidFill>
+            <a:schemeClr val="accent5"/>
+          </a:solidFill>
+          <a:ln w="19050">
+            <a:noFill/>
+            <a:miter lim="800000"/>
+          </a:ln>
+        </p:spPr>
+        <p:style>
+          <a:lnRef idx="2">
+            <a:schemeClr val="accent1">
+              <a:shade val="50000"/>
+            </a:schemeClr>
+          </a:lnRef>
+          <a:fillRef idx="1">
+            <a:schemeClr val="accent1"/>
+          </a:fillRef>
+          <a:effectRef idx="0">
+            <a:schemeClr val="accent1"/>
+          </a:effectRef>
+          <a:fontRef idx="minor">
+            <a:schemeClr val="lt1"/>
+          </a:fontRef>
+        </p:style>
+        <p:txBody>
+          <a:bodyPr rot="0" spcFirstLastPara="0" vertOverflow="overflow" horzOverflow="overflow" vert="horz" wrap="square" lIns="91440" tIns="45720" rIns="91440" bIns="45720" numCol="1" spcCol="0" rtlCol="0" fromWordArt="0" anchor="ctr" anchorCtr="0" forceAA="0" compatLnSpc="1">
+            <a:prstTxWarp prst="textNoShape">
+              <a:avLst/>
+            </a:prstTxWarp>
+            <a:noAutofit/>
+          </a:bodyPr>
+          <a:lstStyle/>
+          <a:p>
+            <a:pPr algn="ctr">
+              <a:lnSpc>
+                <a:spcPct val="90000"/>
+              </a:lnSpc>
+            </a:pPr>
+            <a:endParaRPr lang="it-IT"/>
+          </a:p>
+        </p:txBody>
+      </p:sp>
+      <p:sp>
+        <p:nvSpPr>
+          <p:cNvPr id="13" name="Freccia bidirezionale orizzontale 12">
+            <a:extLst>
+              <a:ext uri="{FF2B5EF4-FFF2-40B4-BE49-F238E27FC236}">
+                <a16:creationId xmlns:a16="http://schemas.microsoft.com/office/drawing/2014/main" id="{25204483-D350-4C7A-B120-500B232216FB}"/>
+              </a:ext>
+            </a:extLst>
+          </p:cNvPr>
+          <p:cNvSpPr/>
+          <p:nvPr/>
+        </p:nvSpPr>
+        <p:spPr>
+          <a:xfrm>
+            <a:off x="3050572" y="1845284"/>
+            <a:ext cx="1819979" cy="221854"/>
+          </a:xfrm>
+          <a:prstGeom prst="leftRightArrow">
+            <a:avLst/>
+          </a:prstGeom>
+          <a:solidFill>
+            <a:schemeClr val="accent5"/>
+          </a:solidFill>
+          <a:ln w="19050">
+            <a:noFill/>
+            <a:miter lim="800000"/>
+          </a:ln>
+        </p:spPr>
+        <p:style>
+          <a:lnRef idx="2">
+            <a:schemeClr val="accent1">
+              <a:shade val="50000"/>
+            </a:schemeClr>
+          </a:lnRef>
+          <a:fillRef idx="1">
+            <a:schemeClr val="accent1"/>
+          </a:fillRef>
+          <a:effectRef idx="0">
+            <a:schemeClr val="accent1"/>
+          </a:effectRef>
+          <a:fontRef idx="minor">
+            <a:schemeClr val="lt1"/>
+          </a:fontRef>
+        </p:style>
+        <p:txBody>
+          <a:bodyPr rot="0" spcFirstLastPara="0" vertOverflow="overflow" horzOverflow="overflow" vert="horz" wrap="square" lIns="91440" tIns="45720" rIns="91440" bIns="45720" numCol="1" spcCol="0" rtlCol="0" fromWordArt="0" anchor="ctr" anchorCtr="0" forceAA="0" compatLnSpc="1">
+            <a:prstTxWarp prst="textNoShape">
+              <a:avLst/>
+            </a:prstTxWarp>
+            <a:noAutofit/>
+          </a:bodyPr>
+          <a:lstStyle/>
+          <a:p>
+            <a:pPr algn="ctr">
+              <a:lnSpc>
+                <a:spcPct val="90000"/>
+              </a:lnSpc>
+            </a:pPr>
+            <a:endParaRPr lang="it-IT" dirty="0"/>
+          </a:p>
+        </p:txBody>
+      </p:sp>
+      <p:sp>
+        <p:nvSpPr>
+          <p:cNvPr id="14" name="Freccia bidirezionale orizzontale 13">
+            <a:extLst>
+              <a:ext uri="{FF2B5EF4-FFF2-40B4-BE49-F238E27FC236}">
+                <a16:creationId xmlns:a16="http://schemas.microsoft.com/office/drawing/2014/main" id="{1FFD9E3D-3EF3-4053-BCBA-BDB87A7EE14A}"/>
+              </a:ext>
+            </a:extLst>
+          </p:cNvPr>
+          <p:cNvSpPr/>
+          <p:nvPr/>
+        </p:nvSpPr>
+        <p:spPr>
+          <a:xfrm>
+            <a:off x="3038434" y="2237044"/>
+            <a:ext cx="1819979" cy="221854"/>
+          </a:xfrm>
+          <a:prstGeom prst="leftRightArrow">
+            <a:avLst/>
+          </a:prstGeom>
+          <a:solidFill>
+            <a:schemeClr val="accent5"/>
+          </a:solidFill>
+          <a:ln w="19050">
+            <a:noFill/>
+            <a:miter lim="800000"/>
+          </a:ln>
+        </p:spPr>
+        <p:style>
+          <a:lnRef idx="2">
+            <a:schemeClr val="accent1">
+              <a:shade val="50000"/>
+            </a:schemeClr>
+          </a:lnRef>
+          <a:fillRef idx="1">
+            <a:schemeClr val="accent1"/>
+          </a:fillRef>
+          <a:effectRef idx="0">
+            <a:schemeClr val="accent1"/>
+          </a:effectRef>
+          <a:fontRef idx="minor">
+            <a:schemeClr val="lt1"/>
+          </a:fontRef>
+        </p:style>
+        <p:txBody>
+          <a:bodyPr rot="0" spcFirstLastPara="0" vertOverflow="overflow" horzOverflow="overflow" vert="horz" wrap="square" lIns="91440" tIns="45720" rIns="91440" bIns="45720" numCol="1" spcCol="0" rtlCol="0" fromWordArt="0" anchor="ctr" anchorCtr="0" forceAA="0" compatLnSpc="1">
+            <a:prstTxWarp prst="textNoShape">
+              <a:avLst/>
+            </a:prstTxWarp>
+            <a:noAutofit/>
+          </a:bodyPr>
+          <a:lstStyle/>
+          <a:p>
+            <a:pPr algn="ctr">
+              <a:lnSpc>
+                <a:spcPct val="90000"/>
+              </a:lnSpc>
+            </a:pPr>
+            <a:endParaRPr lang="it-IT"/>
+          </a:p>
+        </p:txBody>
+      </p:sp>
+      <p:sp>
+        <p:nvSpPr>
+          <p:cNvPr id="15" name="Freccia bidirezionale orizzontale 14">
+            <a:extLst>
+              <a:ext uri="{FF2B5EF4-FFF2-40B4-BE49-F238E27FC236}">
+                <a16:creationId xmlns:a16="http://schemas.microsoft.com/office/drawing/2014/main" id="{F67EA551-D4B4-497B-907D-F6BF1C40282B}"/>
+              </a:ext>
+            </a:extLst>
+          </p:cNvPr>
+          <p:cNvSpPr/>
+          <p:nvPr/>
+        </p:nvSpPr>
+        <p:spPr>
+          <a:xfrm>
+            <a:off x="3025686" y="2619820"/>
+            <a:ext cx="1819979" cy="221854"/>
+          </a:xfrm>
+          <a:prstGeom prst="leftRightArrow">
+            <a:avLst/>
+          </a:prstGeom>
+          <a:solidFill>
+            <a:schemeClr val="accent5"/>
+          </a:solidFill>
+          <a:ln w="19050">
+            <a:noFill/>
+            <a:miter lim="800000"/>
+          </a:ln>
+        </p:spPr>
+        <p:style>
+          <a:lnRef idx="2">
+            <a:schemeClr val="accent1">
+              <a:shade val="50000"/>
+            </a:schemeClr>
+          </a:lnRef>
+          <a:fillRef idx="1">
+            <a:schemeClr val="accent1"/>
+          </a:fillRef>
+          <a:effectRef idx="0">
+            <a:schemeClr val="accent1"/>
+          </a:effectRef>
+          <a:fontRef idx="minor">
+            <a:schemeClr val="lt1"/>
+          </a:fontRef>
+        </p:style>
+        <p:txBody>
+          <a:bodyPr rot="0" spcFirstLastPara="0" vertOverflow="overflow" horzOverflow="overflow" vert="horz" wrap="square" lIns="91440" tIns="45720" rIns="91440" bIns="45720" numCol="1" spcCol="0" rtlCol="0" fromWordArt="0" anchor="ctr" anchorCtr="0" forceAA="0" compatLnSpc="1">
+            <a:prstTxWarp prst="textNoShape">
+              <a:avLst/>
+            </a:prstTxWarp>
+            <a:noAutofit/>
+          </a:bodyPr>
+          <a:lstStyle/>
+          <a:p>
+            <a:pPr algn="ctr">
+              <a:lnSpc>
+                <a:spcPct val="90000"/>
+              </a:lnSpc>
+            </a:pPr>
+            <a:endParaRPr lang="it-IT"/>
+          </a:p>
+        </p:txBody>
+      </p:sp>
+      <p:sp>
+        <p:nvSpPr>
+          <p:cNvPr id="3" name="CasellaDiTesto 2">
+            <a:extLst>
+              <a:ext uri="{FF2B5EF4-FFF2-40B4-BE49-F238E27FC236}">
+                <a16:creationId xmlns:a16="http://schemas.microsoft.com/office/drawing/2014/main" id="{88AC5728-1DF4-43C7-A797-42C083D1A45B}"/>
+              </a:ext>
+            </a:extLst>
+          </p:cNvPr>
+          <p:cNvSpPr txBox="1"/>
+          <p:nvPr/>
+        </p:nvSpPr>
+        <p:spPr>
+          <a:xfrm>
+            <a:off x="998290" y="5742884"/>
+            <a:ext cx="10024844" cy="355912"/>
           </a:xfrm>
           <a:prstGeom prst="rect">
             <a:avLst/>
@@ -19949,122 +19996,12 @@
               </a:lnSpc>
             </a:pPr>
             <a:r>
-              <a:rPr lang="it-IT" sz="2400" dirty="0"/>
-              <a:t>Una Tabella è una Relazione SE:</a:t>
-            </a:r>
-          </a:p>
-        </p:txBody>
-      </p:sp>
-      <p:sp>
-        <p:nvSpPr>
-          <p:cNvPr id="21" name="CasellaDiTesto 20">
-            <a:extLst>
-              <a:ext uri="{FF2B5EF4-FFF2-40B4-BE49-F238E27FC236}">
-                <a16:creationId xmlns:a16="http://schemas.microsoft.com/office/drawing/2014/main" id="{233FA57F-BEAD-478E-A431-E8BE6ED91F1D}"/>
-              </a:ext>
-            </a:extLst>
-          </p:cNvPr>
-          <p:cNvSpPr txBox="1"/>
-          <p:nvPr/>
-        </p:nvSpPr>
-        <p:spPr>
-          <a:xfrm>
-            <a:off x="2172527" y="3359792"/>
-            <a:ext cx="6166131" cy="419450"/>
-          </a:xfrm>
-          <a:prstGeom prst="rect">
-            <a:avLst/>
-          </a:prstGeom>
-          <a:noFill/>
-        </p:spPr>
-        <p:txBody>
-          <a:bodyPr wrap="none" lIns="0" tIns="0" rIns="0" bIns="0" rtlCol="0">
-            <a:noAutofit/>
-          </a:bodyPr>
-          <a:lstStyle/>
-          <a:p>
-            <a:pPr>
-              <a:lnSpc>
-                <a:spcPct val="90000"/>
-              </a:lnSpc>
-            </a:pPr>
-            <a:r>
-              <a:rPr lang="it-IT" dirty="0">
+              <a:rPr lang="it-IT" sz="1600" dirty="0">
                 <a:solidFill>
                   <a:schemeClr val="accent1"/>
                 </a:solidFill>
               </a:rPr>
-              <a:t>I Dati presenti in una Relazione sono definiti DATI STRUTTURATI</a:t>
-            </a:r>
-          </a:p>
-        </p:txBody>
-      </p:sp>
-      <p:sp>
-        <p:nvSpPr>
-          <p:cNvPr id="22" name="CasellaDiTesto 21">
-            <a:extLst>
-              <a:ext uri="{FF2B5EF4-FFF2-40B4-BE49-F238E27FC236}">
-                <a16:creationId xmlns:a16="http://schemas.microsoft.com/office/drawing/2014/main" id="{E446834E-9D45-44C0-B958-C39D3CC2E80C}"/>
-              </a:ext>
-            </a:extLst>
-          </p:cNvPr>
-          <p:cNvSpPr txBox="1"/>
-          <p:nvPr/>
-        </p:nvSpPr>
-        <p:spPr>
-          <a:xfrm>
-            <a:off x="1965071" y="4112276"/>
-            <a:ext cx="8258682" cy="1139232"/>
-          </a:xfrm>
-          <a:prstGeom prst="rect">
-            <a:avLst/>
-          </a:prstGeom>
-          <a:noFill/>
-        </p:spPr>
-        <p:txBody>
-          <a:bodyPr wrap="none" lIns="0" tIns="0" rIns="0" bIns="0" rtlCol="0">
-            <a:noAutofit/>
-          </a:bodyPr>
-          <a:lstStyle/>
-          <a:p>
-            <a:pPr>
-              <a:lnSpc>
-                <a:spcPct val="90000"/>
-              </a:lnSpc>
-            </a:pPr>
-            <a:r>
-              <a:rPr lang="it-IT" dirty="0"/>
-              <a:t>Dati Strutturati e Relazione sono sinonimi mentre Tabella ha un significato più generico.</a:t>
-            </a:r>
-          </a:p>
-          <a:p>
-            <a:pPr>
-              <a:lnSpc>
-                <a:spcPct val="90000"/>
-              </a:lnSpc>
-            </a:pPr>
-            <a:endParaRPr lang="it-IT" dirty="0"/>
-          </a:p>
-          <a:p>
-            <a:pPr>
-              <a:lnSpc>
-                <a:spcPct val="90000"/>
-              </a:lnSpc>
-            </a:pPr>
-            <a:r>
-              <a:rPr lang="it-IT" dirty="0"/>
-              <a:t>Tuttavia d’ora in avanti parleremo solo di Tabelle che sono anche Relazioni e quindi </a:t>
-            </a:r>
-          </a:p>
-          <a:p>
-            <a:pPr>
-              <a:lnSpc>
-                <a:spcPct val="90000"/>
-              </a:lnSpc>
-            </a:pPr>
-            <a:r>
-              <a:rPr lang="it-IT" dirty="0"/>
-              <a:t>Tabella Relazione e Dato Strutturato saranno sinonimi</a:t>
+              <a:t>* Spesso sia l’Insieme di Entità che la singola Entità vengono chiamate solo Entità e la differenza la si capisce dal contesto</a:t>
             </a:r>
           </a:p>
         </p:txBody>
@@ -20072,7 +20009,7 @@
     </p:spTree>
     <p:extLst>
       <p:ext uri="{BB962C8B-B14F-4D97-AF65-F5344CB8AC3E}">
-        <p14:creationId xmlns:p14="http://schemas.microsoft.com/office/powerpoint/2010/main" val="1978269637"/>
+        <p14:creationId xmlns:p14="http://schemas.microsoft.com/office/powerpoint/2010/main" val="483224778"/>
       </p:ext>
     </p:extLst>
   </p:cSld>
@@ -20129,20 +20066,96 @@
         </p:nvSpPr>
         <p:spPr>
           <a:xfrm>
-            <a:off x="3351229" y="397130"/>
-            <a:ext cx="4882455" cy="616896"/>
-          </a:xfrm>
-        </p:spPr>
-        <p:txBody>
-          <a:bodyPr>
-            <a:normAutofit/>
+            <a:off x="3350513" y="396339"/>
+            <a:ext cx="4883727" cy="617057"/>
+          </a:xfrm>
+        </p:spPr>
+        <p:txBody>
+          <a:bodyPr/>
+          <a:lstStyle/>
+          <a:p>
+            <a:r>
+              <a:rPr lang="it-IT" dirty="0"/>
+              <a:t>Modello Dati Relazionale</a:t>
+            </a:r>
+          </a:p>
+        </p:txBody>
+      </p:sp>
+      <p:sp>
+        <p:nvSpPr>
+          <p:cNvPr id="17" name="CasellaDiTesto 16">
+            <a:extLst>
+              <a:ext uri="{FF2B5EF4-FFF2-40B4-BE49-F238E27FC236}">
+                <a16:creationId xmlns:a16="http://schemas.microsoft.com/office/drawing/2014/main" id="{FEBBBCFF-FA09-4D8D-A272-C953F87D5361}"/>
+              </a:ext>
+            </a:extLst>
+          </p:cNvPr>
+          <p:cNvSpPr txBox="1"/>
+          <p:nvPr/>
+        </p:nvSpPr>
+        <p:spPr>
+          <a:xfrm>
+            <a:off x="1383961" y="1837188"/>
+            <a:ext cx="8816830" cy="1451296"/>
+          </a:xfrm>
+          <a:prstGeom prst="rect">
+            <a:avLst/>
+          </a:prstGeom>
+          <a:noFill/>
+        </p:spPr>
+        <p:txBody>
+          <a:bodyPr wrap="none" lIns="0" tIns="0" rIns="0" bIns="0" rtlCol="0">
+            <a:noAutofit/>
           </a:bodyPr>
           <a:lstStyle/>
           <a:p>
-            <a:r>
-              <a:rPr lang="it-IT" dirty="0"/>
-              <a:t>Modello Dati Relazionale</a:t>
-            </a:r>
+            <a:pPr marL="457200" indent="-457200">
+              <a:lnSpc>
+                <a:spcPct val="90000"/>
+              </a:lnSpc>
+              <a:buFont typeface="+mj-lt"/>
+              <a:buAutoNum type="arabicPeriod"/>
+            </a:pPr>
+            <a:r>
+              <a:rPr lang="it-IT" sz="2400" dirty="0"/>
+              <a:t>Non ha Righe nulle</a:t>
+            </a:r>
+          </a:p>
+          <a:p>
+            <a:pPr marL="457200" indent="-457200">
+              <a:lnSpc>
+                <a:spcPct val="90000"/>
+              </a:lnSpc>
+              <a:buFont typeface="+mj-lt"/>
+              <a:buAutoNum type="arabicPeriod"/>
+            </a:pPr>
+            <a:r>
+              <a:rPr lang="it-IT" sz="2400" dirty="0"/>
+              <a:t>Non ha Righe duplicate</a:t>
+            </a:r>
+          </a:p>
+          <a:p>
+            <a:pPr marL="457200" indent="-457200">
+              <a:lnSpc>
+                <a:spcPct val="90000"/>
+              </a:lnSpc>
+              <a:buFont typeface="+mj-lt"/>
+              <a:buAutoNum type="arabicPeriod"/>
+            </a:pPr>
+            <a:r>
+              <a:rPr lang="it-IT" sz="2400" dirty="0"/>
+              <a:t>Non ha Colonne con dati NON Omogenei</a:t>
+            </a:r>
+          </a:p>
+          <a:p>
+            <a:pPr marL="285750" indent="-285750">
+              <a:lnSpc>
+                <a:spcPct val="90000"/>
+              </a:lnSpc>
+              <a:buFont typeface="Arial" panose="020B0604020202020204" pitchFamily="34" charset="0"/>
+              <a:buChar char="•"/>
+            </a:pPr>
+            <a:endParaRPr lang="it-IT" dirty="0"/>
           </a:p>
         </p:txBody>
       </p:sp>
@@ -20160,8 +20173,8 @@
         </p:nvSpPr>
         <p:spPr>
           <a:xfrm>
-            <a:off x="1452506" y="1307562"/>
-            <a:ext cx="4034054" cy="318699"/>
+            <a:off x="1451295" y="1307009"/>
+            <a:ext cx="4035105" cy="318782"/>
           </a:xfrm>
           <a:prstGeom prst="rect">
             <a:avLst/>
@@ -20180,76 +20193,9 @@
               </a:lnSpc>
             </a:pPr>
             <a:r>
-              <a:rPr lang="it-IT" sz="2399" dirty="0"/>
-              <a:t>CHIAVE PRIMARIA:</a:t>
-            </a:r>
-          </a:p>
-        </p:txBody>
-      </p:sp>
-      <p:sp>
-        <p:nvSpPr>
-          <p:cNvPr id="20" name="CasellaDiTesto 19">
-            <a:extLst>
-              <a:ext uri="{FF2B5EF4-FFF2-40B4-BE49-F238E27FC236}">
-                <a16:creationId xmlns:a16="http://schemas.microsoft.com/office/drawing/2014/main" id="{ED68B09D-7B24-45EA-AB22-BB99F865E8FB}"/>
-              </a:ext>
-            </a:extLst>
-          </p:cNvPr>
-          <p:cNvSpPr txBox="1"/>
-          <p:nvPr/>
-        </p:nvSpPr>
-        <p:spPr>
-          <a:xfrm>
-            <a:off x="1485830" y="1816088"/>
-            <a:ext cx="8613251" cy="613907"/>
-          </a:xfrm>
-          <a:prstGeom prst="rect">
-            <a:avLst/>
-          </a:prstGeom>
-          <a:noFill/>
-        </p:spPr>
-        <p:txBody>
-          <a:bodyPr wrap="none" lIns="0" tIns="0" rIns="0" bIns="0" rtlCol="0">
-            <a:noAutofit/>
-          </a:bodyPr>
-          <a:lstStyle/>
-          <a:p>
-            <a:pPr>
-              <a:lnSpc>
-                <a:spcPct val="90000"/>
-              </a:lnSpc>
-            </a:pPr>
-            <a:r>
-              <a:rPr lang="it-IT" sz="1799" dirty="0"/>
-              <a:t>Una Relazione può essere individuata da un numero minimo di colonne</a:t>
-            </a:r>
-          </a:p>
-          <a:p>
-            <a:pPr>
-              <a:lnSpc>
-                <a:spcPct val="90000"/>
-              </a:lnSpc>
-            </a:pPr>
-            <a:r>
-              <a:rPr lang="it-IT" sz="1799" dirty="0"/>
-              <a:t>Tra tutte le combinazioni minime possibili una combinazione viene scelta come </a:t>
-            </a:r>
-            <a:r>
-              <a:rPr lang="it-IT" sz="1799" dirty="0">
-                <a:solidFill>
-                  <a:schemeClr val="accent1"/>
-                </a:solidFill>
-              </a:rPr>
-              <a:t>CHIAVE PRIMARIA</a:t>
-            </a:r>
-          </a:p>
-          <a:p>
-            <a:pPr>
-              <a:lnSpc>
-                <a:spcPct val="90000"/>
-              </a:lnSpc>
-            </a:pPr>
-            <a:endParaRPr lang="it-IT" sz="1799" dirty="0"/>
+              <a:rPr lang="it-IT" sz="2400" dirty="0"/>
+              <a:t>Una Tabella è una Relazione SE:</a:t>
+            </a:r>
           </a:p>
         </p:txBody>
       </p:sp>
@@ -20267,8 +20213,8 @@
         </p:nvSpPr>
         <p:spPr>
           <a:xfrm>
-            <a:off x="1858481" y="5433491"/>
-            <a:ext cx="7116650" cy="419341"/>
+            <a:off x="2172527" y="3359792"/>
+            <a:ext cx="6166131" cy="419450"/>
           </a:xfrm>
           <a:prstGeom prst="rect">
             <a:avLst/>
@@ -20287,50 +20233,90 @@
               </a:lnSpc>
             </a:pPr>
             <a:r>
-              <a:rPr lang="it-IT" sz="1799" dirty="0">
+              <a:rPr lang="it-IT" dirty="0">
                 <a:solidFill>
                   <a:schemeClr val="accent1"/>
                 </a:solidFill>
               </a:rPr>
-              <a:t>In una Relazione si può sempre definire una CHIAVE PRIMARIA!</a:t>
-            </a:r>
-          </a:p>
-        </p:txBody>
-      </p:sp>
-      <p:pic>
-        <p:nvPicPr>
-          <p:cNvPr id="4" name="Immagine 3">
+              <a:t>I Dati presenti in una Relazione sono definiti DATI STRUTTURATI</a:t>
+            </a:r>
+          </a:p>
+        </p:txBody>
+      </p:sp>
+      <p:sp>
+        <p:nvSpPr>
+          <p:cNvPr id="22" name="CasellaDiTesto 21">
             <a:extLst>
               <a:ext uri="{FF2B5EF4-FFF2-40B4-BE49-F238E27FC236}">
-                <a16:creationId xmlns:a16="http://schemas.microsoft.com/office/drawing/2014/main" id="{65A44892-2615-4935-8640-9F3FAD3957B4}"/>
+                <a16:creationId xmlns:a16="http://schemas.microsoft.com/office/drawing/2014/main" id="{E446834E-9D45-44C0-B958-C39D3CC2E80C}"/>
               </a:ext>
             </a:extLst>
           </p:cNvPr>
-          <p:cNvPicPr>
-            <a:picLocks noChangeAspect="1"/>
-          </p:cNvPicPr>
+          <p:cNvSpPr txBox="1"/>
           <p:nvPr/>
-        </p:nvPicPr>
-        <p:blipFill>
-          <a:blip r:embed="rId2"/>
-          <a:stretch>
-            <a:fillRect/>
-          </a:stretch>
-        </p:blipFill>
-        <p:spPr>
-          <a:xfrm>
-            <a:off x="821589" y="2533525"/>
-            <a:ext cx="10545647" cy="1790950"/>
+        </p:nvSpPr>
+        <p:spPr>
+          <a:xfrm>
+            <a:off x="1965071" y="4112276"/>
+            <a:ext cx="8258682" cy="1139232"/>
           </a:xfrm>
           <a:prstGeom prst="rect">
             <a:avLst/>
           </a:prstGeom>
-        </p:spPr>
-      </p:pic>
+          <a:noFill/>
+        </p:spPr>
+        <p:txBody>
+          <a:bodyPr wrap="none" lIns="0" tIns="0" rIns="0" bIns="0" rtlCol="0">
+            <a:noAutofit/>
+          </a:bodyPr>
+          <a:lstStyle/>
+          <a:p>
+            <a:pPr>
+              <a:lnSpc>
+                <a:spcPct val="90000"/>
+              </a:lnSpc>
+            </a:pPr>
+            <a:r>
+              <a:rPr lang="it-IT" dirty="0"/>
+              <a:t>Dati Strutturati e Relazione sono sinonimi mentre Tabella ha un significato più generico.</a:t>
+            </a:r>
+          </a:p>
+          <a:p>
+            <a:pPr>
+              <a:lnSpc>
+                <a:spcPct val="90000"/>
+              </a:lnSpc>
+            </a:pPr>
+            <a:endParaRPr lang="it-IT" dirty="0"/>
+          </a:p>
+          <a:p>
+            <a:pPr>
+              <a:lnSpc>
+                <a:spcPct val="90000"/>
+              </a:lnSpc>
+            </a:pPr>
+            <a:r>
+              <a:rPr lang="it-IT" dirty="0"/>
+              <a:t>Tuttavia d’ora in avanti parleremo solo di Tabelle che sono anche Relazioni e quindi </a:t>
+            </a:r>
+          </a:p>
+          <a:p>
+            <a:pPr>
+              <a:lnSpc>
+                <a:spcPct val="90000"/>
+              </a:lnSpc>
+            </a:pPr>
+            <a:r>
+              <a:rPr lang="it-IT" dirty="0"/>
+              <a:t>Tabella Relazione e Dato Strutturato saranno sinonimi</a:t>
+            </a:r>
+          </a:p>
+        </p:txBody>
+      </p:sp>
     </p:spTree>
     <p:extLst>
       <p:ext uri="{BB962C8B-B14F-4D97-AF65-F5344CB8AC3E}">
-        <p14:creationId xmlns:p14="http://schemas.microsoft.com/office/powerpoint/2010/main" val="465791511"/>
+        <p14:creationId xmlns:p14="http://schemas.microsoft.com/office/powerpoint/2010/main" val="1978269637"/>
       </p:ext>
     </p:extLst>
   </p:cSld>
@@ -20439,7 +20425,7 @@
             </a:pPr>
             <a:r>
               <a:rPr lang="it-IT" sz="2399" dirty="0"/>
-              <a:t>CHIAVE PRIMARIA MULTIPLA:</a:t>
+              <a:t>CHIAVE PRIMARIA:</a:t>
             </a:r>
           </a:p>
         </p:txBody>
@@ -20479,13 +20465,27 @@
             </a:pPr>
             <a:r>
               <a:rPr lang="it-IT" sz="1799" dirty="0"/>
-              <a:t>La CHIAVE PRIMARIA può essere composta anche da più colonne:</a:t>
-            </a:r>
-            <a:endParaRPr lang="it-IT" sz="1799" dirty="0">
-              <a:solidFill>
-                <a:schemeClr val="accent1"/>
-              </a:solidFill>
-            </a:endParaRPr>
+              <a:t>Una Relazione può essere individuata da un numero minimo di colonne</a:t>
+            </a:r>
+          </a:p>
+          <a:p>
+            <a:pPr>
+              <a:lnSpc>
+                <a:spcPct val="90000"/>
+              </a:lnSpc>
+            </a:pPr>
+            <a:r>
+              <a:rPr lang="it-IT" sz="1799" dirty="0"/>
+              <a:t>Tra tutte le combinazioni minime possibili una combinazione viene scelta come </a:t>
+            </a:r>
+            <a:r>
+              <a:rPr lang="it-IT" sz="1799" dirty="0">
+                <a:solidFill>
+                  <a:schemeClr val="accent1"/>
+                </a:solidFill>
+              </a:rPr>
+              <a:t>CHIAVE PRIMARIA</a:t>
+            </a:r>
           </a:p>
           <a:p>
             <a:pPr>
@@ -20511,7 +20511,7 @@
         </p:nvSpPr>
         <p:spPr>
           <a:xfrm>
-            <a:off x="1636808" y="4218335"/>
+            <a:off x="1858481" y="5433491"/>
             <a:ext cx="7116650" cy="419341"/>
           </a:xfrm>
           <a:prstGeom prst="rect">
@@ -20543,10 +20543,10 @@
       </p:sp>
       <p:pic>
         <p:nvPicPr>
-          <p:cNvPr id="5" name="Immagine 4">
+          <p:cNvPr id="4" name="Immagine 3">
             <a:extLst>
               <a:ext uri="{FF2B5EF4-FFF2-40B4-BE49-F238E27FC236}">
-                <a16:creationId xmlns:a16="http://schemas.microsoft.com/office/drawing/2014/main" id="{8069CB11-5F79-4CED-95E6-25BD877FFD8D}"/>
+                <a16:creationId xmlns:a16="http://schemas.microsoft.com/office/drawing/2014/main" id="{65A44892-2615-4935-8640-9F3FAD3957B4}"/>
               </a:ext>
             </a:extLst>
           </p:cNvPr>
@@ -20563,8 +20563,8 @@
         </p:blipFill>
         <p:spPr>
           <a:xfrm>
-            <a:off x="1858481" y="2428323"/>
-            <a:ext cx="4963218" cy="1686160"/>
+            <a:off x="821589" y="2533525"/>
+            <a:ext cx="10545647" cy="1790950"/>
           </a:xfrm>
           <a:prstGeom prst="rect">
             <a:avLst/>
@@ -20574,20 +20574,20 @@
     </p:spTree>
     <p:extLst>
       <p:ext uri="{BB962C8B-B14F-4D97-AF65-F5344CB8AC3E}">
-        <p14:creationId xmlns:p14="http://schemas.microsoft.com/office/powerpoint/2010/main" val="1851643793"/>
+        <p14:creationId xmlns:p14="http://schemas.microsoft.com/office/powerpoint/2010/main" val="465791511"/>
       </p:ext>
     </p:extLst>
   </p:cSld>
   <p:clrMapOvr>
     <a:masterClrMapping/>
   </p:clrMapOvr>
-  <mc:AlternateContent xmlns:mc="http://schemas.openxmlformats.org/markup-compatibility/2006">
-    <mc:Choice xmlns:p14="http://schemas.microsoft.com/office/powerpoint/2010/main" Requires="p14">
+  <mc:AlternateContent xmlns:mc="http://schemas.openxmlformats.org/markup-compatibility/2006" xmlns:p14="http://schemas.microsoft.com/office/powerpoint/2010/main">
+    <mc:Choice Requires="p14">
       <p:transition spd="med" p14:dur="700">
         <p:fade/>
       </p:transition>
     </mc:Choice>
-    <mc:Fallback>
+    <mc:Fallback xmlns="">
       <p:transition spd="med">
         <p:fade/>
       </p:transition>
